--- a/Proyectos/2015/Métricas y monitoreo/Reporte_monitoreo_151130.pptx
+++ b/Proyectos/2015/Métricas y monitoreo/Reporte_monitoreo_151130.pptx
@@ -23,7 +23,7 @@
 </p:presentation>
 </file>
 
-<file path=ppt/charts/chart5.xml><?xml version="1.0" encoding="utf-8"?>
+<file path=ppt/charts/chart1.xml><?xml version="1.0" encoding="utf-8"?>
 <c:chartSpace xmlns:c="http://schemas.openxmlformats.org/drawingml/2006/chart" xmlns:a="http://schemas.openxmlformats.org/drawingml/2006/main" xmlns:r="http://schemas.openxmlformats.org/officeDocument/2006/relationships">
   <c:lang val="en-US"/>
   <c:chart>
@@ -100,11 +100,11 @@
         </c:ser>
         <c:gapWidth val="150"/>
         <c:overlap val="0"/>
-        <c:axId val="16277654"/>
-        <c:axId val="30278017"/>
+        <c:axId val="36694241"/>
+        <c:axId val="83800548"/>
       </c:barChart>
       <c:catAx>
-        <c:axId val="16277654"/>
+        <c:axId val="36694241"/>
         <c:scaling>
           <c:orientation val="minMax"/>
         </c:scaling>
@@ -121,14 +121,14 @@
             <a:round/>
           </a:ln>
         </c:spPr>
-        <c:crossAx val="30278017"/>
+        <c:crossAx val="83800548"/>
         <c:crosses val="autoZero"/>
         <c:auto val="1"/>
         <c:lblAlgn val="ctr"/>
         <c:lblOffset val="100"/>
       </c:catAx>
       <c:valAx>
-        <c:axId val="30278017"/>
+        <c:axId val="83800548"/>
         <c:scaling>
           <c:orientation val="minMax"/>
           <c:max val="1"/>
@@ -156,7 +156,7 @@
             <a:round/>
           </a:ln>
         </c:spPr>
-        <c:crossAx val="16277654"/>
+        <c:crossAx val="36694241"/>
         <c:crosses val="autoZero"/>
       </c:valAx>
       <c:dTable>
@@ -186,7 +186,7 @@
 </c:chartSpace>
 </file>
 
-<file path=ppt/charts/chart6.xml><?xml version="1.0" encoding="utf-8"?>
+<file path=ppt/charts/chart2.xml><?xml version="1.0" encoding="utf-8"?>
 <c:chartSpace xmlns:c="http://schemas.openxmlformats.org/drawingml/2006/chart" xmlns:a="http://schemas.openxmlformats.org/drawingml/2006/main" xmlns:r="http://schemas.openxmlformats.org/officeDocument/2006/relationships">
   <c:lang val="en-US"/>
   <c:chart>
@@ -263,11 +263,11 @@
         </c:ser>
         <c:gapWidth val="150"/>
         <c:overlap val="0"/>
-        <c:axId val="7609944"/>
-        <c:axId val="46459965"/>
+        <c:axId val="51815141"/>
+        <c:axId val="83681273"/>
       </c:barChart>
       <c:catAx>
-        <c:axId val="7609944"/>
+        <c:axId val="51815141"/>
         <c:scaling>
           <c:orientation val="minMax"/>
         </c:scaling>
@@ -284,14 +284,14 @@
             <a:round/>
           </a:ln>
         </c:spPr>
-        <c:crossAx val="46459965"/>
+        <c:crossAx val="83681273"/>
         <c:crosses val="autoZero"/>
         <c:auto val="1"/>
         <c:lblAlgn val="ctr"/>
         <c:lblOffset val="100"/>
       </c:catAx>
       <c:valAx>
-        <c:axId val="46459965"/>
+        <c:axId val="83681273"/>
         <c:scaling>
           <c:orientation val="minMax"/>
           <c:max val="1"/>
@@ -319,7 +319,7 @@
             <a:round/>
           </a:ln>
         </c:spPr>
-        <c:crossAx val="7609944"/>
+        <c:crossAx val="51815141"/>
         <c:crosses val="autoZero"/>
       </c:valAx>
       <c:dTable>
@@ -1539,7 +1539,7 @@
         <p:spPr>
           <a:xfrm>
             <a:off x="777240" y="0"/>
-            <a:ext cx="7542720" cy="379800"/>
+            <a:ext cx="7542360" cy="379440"/>
           </a:xfrm>
           <a:prstGeom prst="rect">
             <a:avLst/>
@@ -1572,7 +1572,7 @@
         <p:spPr>
           <a:xfrm>
             <a:off x="777240" y="6172200"/>
-            <a:ext cx="7542720" cy="26280"/>
+            <a:ext cx="7542360" cy="25920"/>
           </a:xfrm>
           <a:prstGeom prst="rect">
             <a:avLst/>
@@ -1796,7 +1796,7 @@
         <p:spPr>
           <a:xfrm>
             <a:off x="1012680" y="2282760"/>
-            <a:ext cx="7769880" cy="1467360"/>
+            <a:ext cx="7769520" cy="1467000"/>
           </a:xfrm>
           <a:prstGeom prst="rect">
             <a:avLst/>
@@ -1822,7 +1822,7 @@
         <p:spPr>
           <a:xfrm>
             <a:off x="457200" y="501840"/>
-            <a:ext cx="8031600" cy="1143000"/>
+            <a:ext cx="8031240" cy="1142640"/>
           </a:xfrm>
           <a:prstGeom prst="rect">
             <a:avLst/>
@@ -1869,7 +1869,7 @@
         <p:spPr>
           <a:xfrm>
             <a:off x="457200" y="1604520"/>
-            <a:ext cx="3924360" cy="3975480"/>
+            <a:ext cx="3924000" cy="3975120"/>
           </a:xfrm>
           <a:prstGeom prst="rect">
             <a:avLst/>
@@ -1984,7 +1984,7 @@
         <p:spPr>
           <a:xfrm>
             <a:off x="6948360" y="1196640"/>
-            <a:ext cx="1913400" cy="1894320"/>
+            <a:ext cx="1913040" cy="1893960"/>
           </a:xfrm>
           <a:prstGeom prst="rect">
             <a:avLst/>
@@ -2062,7 +2062,7 @@
         <p:spPr>
           <a:xfrm>
             <a:off x="457200" y="274680"/>
-            <a:ext cx="8227080" cy="1140480"/>
+            <a:ext cx="8226720" cy="1140120"/>
           </a:xfrm>
           <a:prstGeom prst="rect">
             <a:avLst/>
@@ -2109,7 +2109,7 @@
         <p:spPr>
           <a:xfrm>
             <a:off x="457200" y="1600200"/>
-            <a:ext cx="8227080" cy="4523400"/>
+            <a:ext cx="8226720" cy="4523040"/>
           </a:xfrm>
           <a:prstGeom prst="rect">
             <a:avLst/>
@@ -2135,7 +2135,7 @@
         <p:spPr>
           <a:xfrm>
             <a:off x="163080" y="1113480"/>
-            <a:ext cx="8764920" cy="2558520"/>
+            <a:ext cx="8764560" cy="2558160"/>
           </a:xfrm>
           <a:prstGeom prst="rect">
             <a:avLst/>
@@ -2194,7 +2194,7 @@
         <p:spPr>
           <a:xfrm>
             <a:off x="-59400" y="3377160"/>
-            <a:ext cx="9059400" cy="2742840"/>
+            <a:ext cx="9059040" cy="2742480"/>
           </a:xfrm>
           <a:prstGeom prst="rect">
             <a:avLst/>
@@ -2209,13 +2209,13 @@
   <p:timing>
     <p:tnLst>
       <p:par>
-        <p:cTn id="25" dur="indefinite" restart="never" nodeType="tmRoot">
+        <p:cTn id="27" dur="indefinite" restart="never" nodeType="tmRoot">
           <p:childTnLst>
             <p:seq>
-              <p:cTn id="26" nodeType="mainSeq">
+              <p:cTn id="28" nodeType="mainSeq">
                 <p:childTnLst>
                   <p:par>
-                    <p:cTn id="27" fill="freeze">
+                    <p:cTn id="29" fill="freeze">
                       <p:stCondLst>
                         <p:cond delay="indefinite"/>
                       </p:stCondLst>
@@ -2272,7 +2272,7 @@
         <p:spPr>
           <a:xfrm>
             <a:off x="457200" y="274680"/>
-            <a:ext cx="8227080" cy="1140480"/>
+            <a:ext cx="8226720" cy="1140120"/>
           </a:xfrm>
           <a:prstGeom prst="rect">
             <a:avLst/>
@@ -2319,7 +2319,7 @@
         <p:spPr>
           <a:xfrm>
             <a:off x="457200" y="1600200"/>
-            <a:ext cx="8227080" cy="4523400"/>
+            <a:ext cx="8226720" cy="4523040"/>
           </a:xfrm>
           <a:prstGeom prst="rect">
             <a:avLst/>
@@ -2345,7 +2345,7 @@
         <p:spPr>
           <a:xfrm>
             <a:off x="6890760" y="1124640"/>
-            <a:ext cx="1852920" cy="3381480"/>
+            <a:ext cx="1852560" cy="3381120"/>
           </a:xfrm>
           <a:prstGeom prst="rect">
             <a:avLst/>
@@ -2399,7 +2399,7 @@
         </p:nvGraphicFramePr>
         <p:xfrm>
           <a:off x="259560" y="1329480"/>
-          <a:ext cx="6436440" cy="3190680"/>
+          <a:ext cx="6436080" cy="3190320"/>
         </p:xfrm>
         <a:graphic>
           <a:graphicData uri="http://schemas.openxmlformats.org/drawingml/2006/table">
@@ -2411,14 +2411,18 @@
                 <a:gridCol w="1479960"/>
                 <a:gridCol w="1022760"/>
               </a:tblGrid>
-              <a:tr h="343440">
-                <a:tc>
-                  <a:txBody>
-                    <a:bodyPr lIns="90000" rIns="90000" tIns="46800" bIns="46800"/>
-                    <a:p>
-                      <a:pPr algn="ctr"/>
-                      <a:r>
-                        <a:rPr b="1" lang="es-MX">
+              <a:tr h="673560">
+                <a:tc>
+                  <a:txBody>
+                    <a:bodyPr/>
+                    <a:p>
+                      <a:pPr algn="ctr">
+                        <a:lnSpc>
+                          <a:spcPct val="100000"/>
+                        </a:lnSpc>
+                      </a:pPr>
+                      <a:r>
+                        <a:rPr b="1" lang="es-MX" strike="noStrike">
                           <a:latin typeface="Arial"/>
                         </a:rPr>
                         <a:t>Noviembre</a:t>
@@ -2430,11 +2434,15 @@
                 </a:tc>
                 <a:tc>
                   <a:txBody>
-                    <a:bodyPr lIns="90000" rIns="90000" tIns="46800" bIns="46800"/>
-                    <a:p>
-                      <a:pPr algn="ctr"/>
-                      <a:r>
-                        <a:rPr lang="es-MX">
+                    <a:bodyPr/>
+                    <a:p>
+                      <a:pPr algn="ctr">
+                        <a:lnSpc>
+                          <a:spcPct val="100000"/>
+                        </a:lnSpc>
+                      </a:pPr>
+                      <a:r>
+                        <a:rPr lang="es-MX" strike="noStrike">
                           <a:latin typeface="Arial"/>
                         </a:rPr>
                         <a:t>Planeado</a:t>
@@ -2446,11 +2454,15 @@
                 </a:tc>
                 <a:tc>
                   <a:txBody>
-                    <a:bodyPr lIns="90000" rIns="90000" tIns="46800" bIns="46800"/>
-                    <a:p>
-                      <a:pPr algn="ctr"/>
-                      <a:r>
-                        <a:rPr lang="es-MX">
+                    <a:bodyPr/>
+                    <a:p>
+                      <a:pPr algn="ctr">
+                        <a:lnSpc>
+                          <a:spcPct val="100000"/>
+                        </a:lnSpc>
+                      </a:pPr>
+                      <a:r>
+                        <a:rPr lang="es-MX" strike="noStrike">
                           <a:latin typeface="Arial"/>
                         </a:rPr>
                         <a:t>Real</a:t>
@@ -2462,11 +2474,15 @@
                 </a:tc>
                 <a:tc>
                   <a:txBody>
-                    <a:bodyPr lIns="90000" rIns="90000" tIns="46800" bIns="46800"/>
-                    <a:p>
-                      <a:pPr algn="ctr"/>
-                      <a:r>
-                        <a:rPr lang="es-MX">
+                    <a:bodyPr/>
+                    <a:p>
+                      <a:pPr algn="ctr">
+                        <a:lnSpc>
+                          <a:spcPct val="100000"/>
+                        </a:lnSpc>
+                      </a:pPr>
+                      <a:r>
+                        <a:rPr lang="es-MX" strike="noStrike">
                           <a:latin typeface="Arial"/>
                         </a:rPr>
                         <a:t>Apegó</a:t>
@@ -2477,13 +2493,13 @@
                   <a:tcPr/>
                 </a:tc>
               </a:tr>
-              <a:tr h="0">
-                <a:tc>
-                  <a:txBody>
-                    <a:bodyPr lIns="90000" rIns="90000" tIns="46800" bIns="46800"/>
-                    <a:p>
-                      <a:r>
-                        <a:rPr lang="es-MX">
+              <a:tr h="1169280">
+                <a:tc>
+                  <a:txBody>
+                    <a:bodyPr/>
+                    <a:p>
+                      <a:r>
+                        <a:rPr lang="es-MX" strike="noStrike">
                           <a:latin typeface="Arial"/>
                         </a:rPr>
                         <a:t>Periodo</a:t>
@@ -2495,17 +2511,21 @@
                 </a:tc>
                 <a:tc>
                   <a:txBody>
-                    <a:bodyPr lIns="90000" rIns="90000" tIns="46800" bIns="46800"/>
-                    <a:p>
-                      <a:pPr algn="ctr"/>
-                      <a:r>
-                        <a:rPr lang="es-MX">
+                    <a:bodyPr/>
+                    <a:p>
+                      <a:pPr algn="ctr">
+                        <a:lnSpc>
+                          <a:spcPct val="100000"/>
+                        </a:lnSpc>
+                      </a:pPr>
+                      <a:r>
+                        <a:rPr lang="es-MX" strike="noStrike">
                           <a:latin typeface="Arial"/>
                         </a:rPr>
                         <a:t> </a:t>
                       </a:r>
                       <a:r>
-                        <a:rPr lang="es-MX">
+                        <a:rPr lang="es-MX" strike="noStrike">
                           <a:latin typeface="Arial"/>
                         </a:rPr>
                         <a:t>$202,000.00 </a:t>
@@ -2517,17 +2537,21 @@
                 </a:tc>
                 <a:tc>
                   <a:txBody>
-                    <a:bodyPr lIns="90000" rIns="90000" tIns="46800" bIns="46800"/>
-                    <a:p>
-                      <a:pPr algn="ctr"/>
-                      <a:r>
-                        <a:rPr lang="es-MX">
+                    <a:bodyPr/>
+                    <a:p>
+                      <a:pPr algn="ctr">
+                        <a:lnSpc>
+                          <a:spcPct val="100000"/>
+                        </a:lnSpc>
+                      </a:pPr>
+                      <a:r>
+                        <a:rPr lang="es-MX" strike="noStrike">
                           <a:latin typeface="Arial"/>
                         </a:rPr>
                         <a:t> </a:t>
                       </a:r>
                       <a:r>
-                        <a:rPr lang="es-MX">
+                        <a:rPr lang="es-MX" strike="noStrike">
                           <a:latin typeface="Arial"/>
                         </a:rPr>
                         <a:t>$130,775.30 </a:t>
@@ -2539,11 +2563,15 @@
                 </a:tc>
                 <a:tc>
                   <a:txBody>
-                    <a:bodyPr lIns="90000" rIns="90000" tIns="46800" bIns="46800"/>
-                    <a:p>
-                      <a:pPr algn="ctr"/>
-                      <a:r>
-                        <a:rPr lang="es-MX">
+                    <a:bodyPr/>
+                    <a:p>
+                      <a:pPr algn="ctr">
+                        <a:lnSpc>
+                          <a:spcPct val="100000"/>
+                        </a:lnSpc>
+                      </a:pPr>
+                      <a:r>
+                        <a:rPr lang="es-MX" strike="noStrike">
                           <a:latin typeface="Arial"/>
                         </a:rPr>
                         <a:t>64.74</a:t>
@@ -2554,13 +2582,13 @@
                   <a:tcPr/>
                 </a:tc>
               </a:tr>
-              <a:tr h="0">
-                <a:tc>
-                  <a:txBody>
-                    <a:bodyPr lIns="90000" rIns="90000" tIns="46800" bIns="46800"/>
-                    <a:p>
-                      <a:r>
-                        <a:rPr lang="es-MX">
+              <a:tr h="673560">
+                <a:tc>
+                  <a:txBody>
+                    <a:bodyPr/>
+                    <a:p>
+                      <a:r>
+                        <a:rPr lang="es-MX" strike="noStrike">
                           <a:latin typeface="Arial"/>
                         </a:rPr>
                         <a:t>Oriana</a:t>
@@ -2572,17 +2600,21 @@
                 </a:tc>
                 <a:tc>
                   <a:txBody>
-                    <a:bodyPr lIns="90000" rIns="90000" tIns="46800" bIns="46800"/>
-                    <a:p>
-                      <a:pPr algn="ctr"/>
-                      <a:r>
-                        <a:rPr lang="es-MX">
+                    <a:bodyPr/>
+                    <a:p>
+                      <a:pPr algn="ctr">
+                        <a:lnSpc>
+                          <a:spcPct val="100000"/>
+                        </a:lnSpc>
+                      </a:pPr>
+                      <a:r>
+                        <a:rPr lang="es-MX" strike="noStrike">
                           <a:latin typeface="Arial"/>
                         </a:rPr>
                         <a:t> </a:t>
                       </a:r>
                       <a:r>
-                        <a:rPr lang="es-MX">
+                        <a:rPr lang="es-MX" strike="noStrike">
                           <a:latin typeface="Arial"/>
                         </a:rPr>
                         <a:t>$101,000.00 </a:t>
@@ -2594,11 +2626,15 @@
                 </a:tc>
                 <a:tc>
                   <a:txBody>
-                    <a:bodyPr lIns="90000" rIns="90000" tIns="46800" bIns="46800"/>
-                    <a:p>
-                      <a:pPr algn="r"/>
-                      <a:r>
-                        <a:rPr lang="es-MX">
+                    <a:bodyPr/>
+                    <a:p>
+                      <a:pPr algn="r">
+                        <a:lnSpc>
+                          <a:spcPct val="100000"/>
+                        </a:lnSpc>
+                      </a:pPr>
+                      <a:r>
+                        <a:rPr lang="es-MX" strike="noStrike">
                           <a:latin typeface="Arial"/>
                         </a:rPr>
                         <a:t>$54,818.40</a:t>
@@ -2610,11 +2646,15 @@
                 </a:tc>
                 <a:tc>
                   <a:txBody>
-                    <a:bodyPr lIns="90000" rIns="90000" tIns="46800" bIns="46800"/>
-                    <a:p>
-                      <a:pPr algn="ctr"/>
-                      <a:r>
-                        <a:rPr lang="es-MX">
+                    <a:bodyPr/>
+                    <a:p>
+                      <a:pPr algn="ctr">
+                        <a:lnSpc>
+                          <a:spcPct val="100000"/>
+                        </a:lnSpc>
+                      </a:pPr>
+                      <a:r>
+                        <a:rPr lang="es-MX" strike="noStrike">
                           <a:latin typeface="Arial"/>
                         </a:rPr>
                         <a:t>54.28</a:t>
@@ -2625,13 +2665,13 @@
                   <a:tcPr/>
                 </a:tc>
               </a:tr>
-              <a:tr h="0">
-                <a:tc>
-                  <a:txBody>
-                    <a:bodyPr lIns="90000" rIns="90000" tIns="46800" bIns="46800"/>
-                    <a:p>
-                      <a:r>
-                        <a:rPr lang="es-MX">
+              <a:tr h="673920">
+                <a:tc>
+                  <a:txBody>
+                    <a:bodyPr/>
+                    <a:p>
+                      <a:r>
+                        <a:rPr lang="es-MX" strike="noStrike">
                           <a:latin typeface="Arial"/>
                         </a:rPr>
                         <a:t>Marisol</a:t>
@@ -2643,17 +2683,21 @@
                 </a:tc>
                 <a:tc>
                   <a:txBody>
-                    <a:bodyPr lIns="90000" rIns="90000" tIns="46800" bIns="46800"/>
-                    <a:p>
-                      <a:pPr algn="ctr"/>
-                      <a:r>
-                        <a:rPr lang="es-MX">
+                    <a:bodyPr/>
+                    <a:p>
+                      <a:pPr algn="ctr">
+                        <a:lnSpc>
+                          <a:spcPct val="100000"/>
+                        </a:lnSpc>
+                      </a:pPr>
+                      <a:r>
+                        <a:rPr lang="es-MX" strike="noStrike">
                           <a:latin typeface="Arial"/>
                         </a:rPr>
                         <a:t> </a:t>
                       </a:r>
                       <a:r>
-                        <a:rPr lang="es-MX">
+                        <a:rPr lang="es-MX" strike="noStrike">
                           <a:latin typeface="Arial"/>
                         </a:rPr>
                         <a:t>$101,000.00 </a:t>
@@ -2665,11 +2709,15 @@
                 </a:tc>
                 <a:tc>
                   <a:txBody>
-                    <a:bodyPr lIns="90000" rIns="90000" tIns="46800" bIns="46800"/>
-                    <a:p>
-                      <a:pPr algn="r"/>
-                      <a:r>
-                        <a:rPr lang="es-MX">
+                    <a:bodyPr/>
+                    <a:p>
+                      <a:pPr algn="r">
+                        <a:lnSpc>
+                          <a:spcPct val="100000"/>
+                        </a:lnSpc>
+                      </a:pPr>
+                      <a:r>
+                        <a:rPr lang="es-MX" strike="noStrike">
                           <a:latin typeface="Arial"/>
                         </a:rPr>
                         <a:t>$75,956.90</a:t>
@@ -2681,11 +2729,15 @@
                 </a:tc>
                 <a:tc>
                   <a:txBody>
-                    <a:bodyPr lIns="90000" rIns="90000" tIns="46800" bIns="46800"/>
-                    <a:p>
-                      <a:pPr algn="ctr"/>
-                      <a:r>
-                        <a:rPr lang="es-MX">
+                    <a:bodyPr/>
+                    <a:p>
+                      <a:pPr algn="ctr">
+                        <a:lnSpc>
+                          <a:spcPct val="100000"/>
+                        </a:lnSpc>
+                      </a:pPr>
+                      <a:r>
+                        <a:rPr lang="es-MX" strike="noStrike">
                           <a:latin typeface="Arial"/>
                         </a:rPr>
                         <a:t>75.20</a:t>
@@ -2708,7 +2760,7 @@
         </p:nvGraphicFramePr>
         <p:xfrm>
           <a:off x="272160" y="4576320"/>
-          <a:ext cx="5559840" cy="1653120"/>
+          <a:ext cx="5559480" cy="1652760"/>
         </p:xfrm>
         <a:graphic>
           <a:graphicData uri="http://schemas.openxmlformats.org/drawingml/2006/table">
@@ -2719,14 +2771,18 @@
                 <a:gridCol w="1891080"/>
                 <a:gridCol w="1741680"/>
               </a:tblGrid>
-              <a:tr h="-377640">
-                <a:tc>
-                  <a:txBody>
-                    <a:bodyPr lIns="90000" rIns="90000" tIns="46800" bIns="46800"/>
-                    <a:p>
-                      <a:pPr algn="ctr"/>
-                      <a:r>
-                        <a:rPr b="1" lang="es-MX">
+              <a:tr h="433800">
+                <a:tc>
+                  <a:txBody>
+                    <a:bodyPr/>
+                    <a:p>
+                      <a:pPr algn="ctr">
+                        <a:lnSpc>
+                          <a:spcPct val="100000"/>
+                        </a:lnSpc>
+                      </a:pPr>
+                      <a:r>
+                        <a:rPr b="1" lang="es-MX" strike="noStrike">
                           <a:latin typeface="Arial"/>
                         </a:rPr>
                         <a:t>Monto Total</a:t>
@@ -2743,22 +2799,34 @@
                   <a:tcPr/>
                 </a:tc>
               </a:tr>
-              <a:tr h="861840">
-                <a:tc>
-                  <a:txBody>
-                    <a:bodyPr lIns="90000" rIns="90000" tIns="46800" bIns="46800"/>
-                    <a:p>
-                      <a:pPr algn="ctr"/>
-                      <a:endParaRPr/>
-                    </a:p>
-                    <a:p>
-                      <a:pPr algn="ctr"/>
-                      <a:endParaRPr/>
-                    </a:p>
-                    <a:p>
-                      <a:pPr algn="ctr"/>
-                      <a:r>
-                        <a:rPr lang="es-MX">
+              <a:tr h="866520">
+                <a:tc>
+                  <a:txBody>
+                    <a:bodyPr/>
+                    <a:p>
+                      <a:pPr algn="ctr">
+                        <a:lnSpc>
+                          <a:spcPct val="100000"/>
+                        </a:lnSpc>
+                      </a:pPr>
+                      <a:endParaRPr/>
+                    </a:p>
+                    <a:p>
+                      <a:pPr algn="ctr">
+                        <a:lnSpc>
+                          <a:spcPct val="100000"/>
+                        </a:lnSpc>
+                      </a:pPr>
+                      <a:endParaRPr/>
+                    </a:p>
+                    <a:p>
+                      <a:pPr algn="ctr">
+                        <a:lnSpc>
+                          <a:spcPct val="100000"/>
+                        </a:lnSpc>
+                      </a:pPr>
+                      <a:r>
+                        <a:rPr lang="es-MX" strike="noStrike">
                           <a:latin typeface="Arial"/>
                         </a:rPr>
                         <a:t>Planeado</a:t>
@@ -2770,11 +2838,15 @@
                 </a:tc>
                 <a:tc>
                   <a:txBody>
-                    <a:bodyPr lIns="90000" rIns="90000" tIns="46800" bIns="46800"/>
-                    <a:p>
-                      <a:pPr algn="ctr"/>
-                      <a:r>
-                        <a:rPr lang="es-MX">
+                    <a:bodyPr/>
+                    <a:p>
+                      <a:pPr algn="ctr">
+                        <a:lnSpc>
+                          <a:spcPct val="100000"/>
+                        </a:lnSpc>
+                      </a:pPr>
+                      <a:r>
+                        <a:rPr lang="es-MX" strike="noStrike">
                           <a:latin typeface="Arial"/>
                         </a:rPr>
                         <a:t>Real</a:t>
@@ -2786,11 +2858,15 @@
                 </a:tc>
                 <a:tc>
                   <a:txBody>
-                    <a:bodyPr lIns="90000" rIns="90000" tIns="46800" bIns="46800"/>
-                    <a:p>
-                      <a:pPr algn="ctr"/>
-                      <a:r>
-                        <a:rPr lang="es-MX">
+                    <a:bodyPr/>
+                    <a:p>
+                      <a:pPr algn="ctr">
+                        <a:lnSpc>
+                          <a:spcPct val="100000"/>
+                        </a:lnSpc>
+                      </a:pPr>
+                      <a:r>
+                        <a:rPr lang="es-MX" strike="noStrike">
                           <a:latin typeface="Arial"/>
                         </a:rPr>
                         <a:t>Apegó</a:t>
@@ -2801,20 +2877,24 @@
                   <a:tcPr/>
                 </a:tc>
               </a:tr>
-              <a:tr h="349920">
-                <a:tc>
-                  <a:txBody>
-                    <a:bodyPr lIns="90000" rIns="90000" tIns="46800" bIns="46800"/>
-                    <a:p>
-                      <a:pPr algn="ctr"/>
-                      <a:r>
-                        <a:rPr lang="es-MX">
+              <a:tr h="352440">
+                <a:tc>
+                  <a:txBody>
+                    <a:bodyPr/>
+                    <a:p>
+                      <a:pPr algn="ctr">
+                        <a:lnSpc>
+                          <a:spcPct val="100000"/>
+                        </a:lnSpc>
+                      </a:pPr>
+                      <a:r>
+                        <a:rPr lang="es-MX" strike="noStrike">
                           <a:latin typeface="Arial"/>
                         </a:rPr>
                         <a:t> </a:t>
                       </a:r>
                       <a:r>
-                        <a:rPr lang="es-MX">
+                        <a:rPr lang="es-MX" strike="noStrike">
                           <a:latin typeface="Arial"/>
                         </a:rPr>
                         <a:t>$2,424,000.00 </a:t>
@@ -2826,17 +2906,21 @@
                 </a:tc>
                 <a:tc>
                   <a:txBody>
-                    <a:bodyPr lIns="90000" rIns="90000" tIns="46800" bIns="46800"/>
-                    <a:p>
-                      <a:pPr algn="ctr"/>
-                      <a:r>
-                        <a:rPr lang="es-MX">
+                    <a:bodyPr/>
+                    <a:p>
+                      <a:pPr algn="ctr">
+                        <a:lnSpc>
+                          <a:spcPct val="100000"/>
+                        </a:lnSpc>
+                      </a:pPr>
+                      <a:r>
+                        <a:rPr lang="es-MX" strike="noStrike">
                           <a:latin typeface="Arial"/>
                         </a:rPr>
                         <a:t> </a:t>
                       </a:r>
                       <a:r>
-                        <a:rPr lang="es-MX">
+                        <a:rPr lang="es-MX" strike="noStrike">
                           <a:latin typeface="Arial"/>
                         </a:rPr>
                         <a:t>$130,775.30 </a:t>
@@ -2848,11 +2932,15 @@
                 </a:tc>
                 <a:tc>
                   <a:txBody>
-                    <a:bodyPr lIns="90000" rIns="90000" tIns="46800" bIns="46800"/>
-                    <a:p>
-                      <a:pPr algn="ctr"/>
-                      <a:r>
-                        <a:rPr lang="es-MX">
+                    <a:bodyPr/>
+                    <a:p>
+                      <a:pPr algn="ctr">
+                        <a:lnSpc>
+                          <a:spcPct val="100000"/>
+                        </a:lnSpc>
+                      </a:pPr>
+                      <a:r>
+                        <a:rPr lang="es-MX" strike="noStrike">
                           <a:latin typeface="Arial"/>
                         </a:rPr>
                         <a:t>5.40</a:t>
@@ -2872,13 +2960,13 @@
   <p:timing>
     <p:tnLst>
       <p:par>
-        <p:cTn id="28" dur="indefinite" restart="never" nodeType="tmRoot">
+        <p:cTn id="30" dur="indefinite" restart="never" nodeType="tmRoot">
           <p:childTnLst>
             <p:seq>
-              <p:cTn id="29" nodeType="mainSeq">
+              <p:cTn id="31" nodeType="mainSeq">
                 <p:childTnLst>
                   <p:par>
-                    <p:cTn id="30" fill="freeze">
+                    <p:cTn id="32" fill="freeze">
                       <p:stCondLst>
                         <p:cond delay="indefinite"/>
                       </p:stCondLst>
@@ -2935,7 +3023,7 @@
         <p:spPr>
           <a:xfrm>
             <a:off x="457200" y="274680"/>
-            <a:ext cx="8227080" cy="1140480"/>
+            <a:ext cx="8226720" cy="1140120"/>
           </a:xfrm>
           <a:prstGeom prst="rect">
             <a:avLst/>
@@ -2982,7 +3070,7 @@
         <p:spPr>
           <a:xfrm>
             <a:off x="457200" y="1600200"/>
-            <a:ext cx="8227080" cy="4523400"/>
+            <a:ext cx="8226720" cy="4523040"/>
           </a:xfrm>
           <a:prstGeom prst="rect">
             <a:avLst/>
@@ -3008,7 +3096,7 @@
         <p:spPr>
           <a:xfrm>
             <a:off x="5751360" y="1412640"/>
-            <a:ext cx="2932920" cy="2284200"/>
+            <a:ext cx="2932560" cy="2283840"/>
           </a:xfrm>
           <a:prstGeom prst="rect">
             <a:avLst/>
@@ -3059,13 +3147,13 @@
   <p:timing>
     <p:tnLst>
       <p:par>
-        <p:cTn id="31" dur="indefinite" restart="never" nodeType="tmRoot">
+        <p:cTn id="33" dur="indefinite" restart="never" nodeType="tmRoot">
           <p:childTnLst>
             <p:seq>
-              <p:cTn id="32" nodeType="mainSeq">
+              <p:cTn id="34" nodeType="mainSeq">
                 <p:childTnLst>
                   <p:par>
-                    <p:cTn id="33" fill="freeze">
+                    <p:cTn id="35" fill="freeze">
                       <p:stCondLst>
                         <p:cond delay="indefinite"/>
                       </p:stCondLst>
@@ -3122,7 +3210,7 @@
         <p:spPr>
           <a:xfrm>
             <a:off x="457200" y="274680"/>
-            <a:ext cx="8227080" cy="1140480"/>
+            <a:ext cx="8226720" cy="1140120"/>
           </a:xfrm>
           <a:prstGeom prst="rect">
             <a:avLst/>
@@ -3169,7 +3257,7 @@
         <p:spPr>
           <a:xfrm>
             <a:off x="457200" y="1600200"/>
-            <a:ext cx="8227080" cy="4523400"/>
+            <a:ext cx="8226720" cy="4523040"/>
           </a:xfrm>
           <a:prstGeom prst="rect">
             <a:avLst/>
@@ -3194,7 +3282,7 @@
         </p:nvGraphicFramePr>
         <p:xfrm>
           <a:off x="1523880" y="1397160"/>
-          <a:ext cx="6094440" cy="1812960"/>
+          <a:ext cx="6094080" cy="1812600"/>
         </p:xfrm>
         <a:graphic>
           <a:graphicData uri="http://schemas.openxmlformats.org/drawingml/2006/table">
@@ -3203,7 +3291,7 @@
               <a:tblGrid>
                 <a:gridCol w="2031840"/>
                 <a:gridCol w="2031840"/>
-                <a:gridCol w="2031120"/>
+                <a:gridCol w="2030400"/>
               </a:tblGrid>
               <a:tr h="346320">
                 <a:tc>
@@ -3282,7 +3370,7 @@
                     <a:bodyPr/>
                     <a:p>
                       <a:r>
-                        <a:rPr lang="es-MX" sz="2400">
+                        <a:rPr lang="es-MX" sz="2400" strike="noStrike">
                           <a:latin typeface="Times New Roman"/>
                         </a:rPr>
                         <a:t>P1319 – Venta</a:t>
@@ -3297,7 +3385,7 @@
                     <a:bodyPr/>
                     <a:p>
                       <a:r>
-                        <a:rPr lang="es-MX">
+                        <a:rPr lang="es-MX" strike="noStrike">
                           <a:latin typeface="Arial"/>
                         </a:rPr>
                         <a:t>10/10/2015</a:t>
@@ -3312,10 +3400,57 @@
                     <a:bodyPr/>
                     <a:p>
                       <a:r>
-                        <a:rPr lang="es-MX">
+                        <a:rPr lang="es-MX" strike="noStrike">
                           <a:latin typeface="Arial"/>
                         </a:rPr>
                         <a:t>13/11/2015</a:t>
+                      </a:r>
+                      <a:endParaRPr/>
+                    </a:p>
+                  </a:txBody>
+                  <a:tcPr/>
+                </a:tc>
+              </a:tr>
+              <a:tr h="603720">
+                <a:tc>
+                  <a:txBody>
+                    <a:bodyPr/>
+                    <a:p>
+                      <a:r>
+                        <a:rPr lang="es-MX" strike="noStrike">
+                          <a:latin typeface="Arial"/>
+                        </a:rPr>
+                        <a:t>P1319 – Planeación </a:t>
+                      </a:r>
+                      <a:endParaRPr/>
+                    </a:p>
+                  </a:txBody>
+                  <a:tcPr/>
+                </a:tc>
+                <a:tc>
+                  <a:txBody>
+                    <a:bodyPr/>
+                    <a:p>
+                      <a:r>
+                        <a:rPr lang="es-MX" strike="noStrike">
+                          <a:latin typeface="Arial"/>
+                        </a:rPr>
+                        <a:t>17/11/2015</a:t>
+                      </a:r>
+                      <a:endParaRPr/>
+                    </a:p>
+                  </a:txBody>
+                  <a:tcPr/>
+                </a:tc>
+                <a:tc>
+                  <a:txBody>
+                    <a:bodyPr/>
+                    <a:p>
+                      <a:r>
+                        <a:rPr lang="es-MX" strike="noStrike">
+                          <a:latin typeface="Arial"/>
+                        </a:rPr>
+                        <a:t>17/11/2015</a:t>
                       </a:r>
                       <a:endParaRPr/>
                     </a:p>
@@ -3329,22 +3464,22 @@
                     <a:bodyPr/>
                     <a:p>
                       <a:r>
-                        <a:rPr lang="es-MX">
-                          <a:latin typeface="Arial"/>
-                        </a:rPr>
-                        <a:t>P1319 – Planeación </a:t>
-                      </a:r>
-                      <a:endParaRPr/>
-                    </a:p>
-                  </a:txBody>
-                  <a:tcPr/>
-                </a:tc>
-                <a:tc>
-                  <a:txBody>
-                    <a:bodyPr/>
-                    <a:p>
-                      <a:r>
-                        <a:rPr lang="es-MX">
+                        <a:rPr lang="es-MX" sz="2400" strike="noStrike">
+                          <a:latin typeface="Times New Roman"/>
+                        </a:rPr>
+                        <a:t>P1319 - Cierre</a:t>
+                      </a:r>
+                      <a:endParaRPr/>
+                    </a:p>
+                  </a:txBody>
+                  <a:tcPr/>
+                </a:tc>
+                <a:tc>
+                  <a:txBody>
+                    <a:bodyPr/>
+                    <a:p>
+                      <a:r>
+                        <a:rPr lang="es-MX" strike="noStrike">
                           <a:latin typeface="Arial"/>
                         </a:rPr>
                         <a:t>17/11/2015</a:t>
@@ -3359,54 +3494,7 @@
                     <a:bodyPr/>
                     <a:p>
                       <a:r>
-                        <a:rPr lang="es-MX">
-                          <a:latin typeface="Arial"/>
-                        </a:rPr>
-                        <a:t>17/11/2015</a:t>
-                      </a:r>
-                      <a:endParaRPr/>
-                    </a:p>
-                  </a:txBody>
-                  <a:tcPr/>
-                </a:tc>
-              </a:tr>
-              <a:tr h="431640">
-                <a:tc>
-                  <a:txBody>
-                    <a:bodyPr/>
-                    <a:p>
-                      <a:r>
-                        <a:rPr lang="es-MX" sz="2400">
-                          <a:latin typeface="Times New Roman"/>
-                        </a:rPr>
-                        <a:t>P1319 - Cierre</a:t>
-                      </a:r>
-                      <a:endParaRPr/>
-                    </a:p>
-                  </a:txBody>
-                  <a:tcPr/>
-                </a:tc>
-                <a:tc>
-                  <a:txBody>
-                    <a:bodyPr/>
-                    <a:p>
-                      <a:r>
-                        <a:rPr lang="es-MX">
-                          <a:latin typeface="Arial"/>
-                        </a:rPr>
-                        <a:t>17/11/2015</a:t>
-                      </a:r>
-                      <a:endParaRPr/>
-                    </a:p>
-                  </a:txBody>
-                  <a:tcPr/>
-                </a:tc>
-                <a:tc>
-                  <a:txBody>
-                    <a:bodyPr/>
-                    <a:p>
-                      <a:r>
-                        <a:rPr lang="es-MX" sz="1000">
+                        <a:rPr lang="es-MX" sz="1000" strike="noStrike">
                           <a:latin typeface="Calibri"/>
                         </a:rPr>
                         <a:t>24/11/2015</a:t>
@@ -3489,7 +3577,7 @@
         <p:spPr>
           <a:xfrm>
             <a:off x="457200" y="274680"/>
-            <a:ext cx="8227080" cy="1140480"/>
+            <a:ext cx="8226720" cy="1140120"/>
           </a:xfrm>
           <a:prstGeom prst="rect">
             <a:avLst/>
@@ -3536,7 +3624,7 @@
         <p:spPr>
           <a:xfrm>
             <a:off x="457200" y="1600200"/>
-            <a:ext cx="8227080" cy="4523400"/>
+            <a:ext cx="8226720" cy="4523040"/>
           </a:xfrm>
           <a:prstGeom prst="rect">
             <a:avLst/>
@@ -3580,7 +3668,7 @@
         </p:nvGraphicFramePr>
         <p:xfrm>
           <a:off x="36360" y="1579680"/>
-          <a:ext cx="9078480" cy="5264640"/>
+          <a:ext cx="9078120" cy="5264280"/>
         </p:xfrm>
         <a:graphic>
           <a:graphicData uri="http://schemas.openxmlformats.org/drawingml/2006/table">
@@ -3592,14 +3680,18 @@
                 <a:gridCol w="2271960"/>
                 <a:gridCol w="1951200"/>
               </a:tblGrid>
-              <a:tr h="107640">
-                <a:tc>
-                  <a:txBody>
-                    <a:bodyPr lIns="90000" rIns="90000" tIns="46800" bIns="46800"/>
-                    <a:p>
-                      <a:pPr algn="ctr"/>
-                      <a:r>
-                        <a:rPr b="1" lang="es-MX">
+              <a:tr h="460800">
+                <a:tc>
+                  <a:txBody>
+                    <a:bodyPr/>
+                    <a:p>
+                      <a:pPr algn="ctr">
+                        <a:lnSpc>
+                          <a:spcPct val="100000"/>
+                        </a:lnSpc>
+                      </a:pPr>
+                      <a:r>
+                        <a:rPr b="1" lang="es-MX" strike="noStrike">
                           <a:latin typeface="Arial"/>
                         </a:rPr>
                         <a:t>Rol</a:t>
@@ -3611,11 +3703,15 @@
                 </a:tc>
                 <a:tc>
                   <a:txBody>
-                    <a:bodyPr lIns="90000" rIns="90000" tIns="46800" bIns="46800"/>
-                    <a:p>
-                      <a:pPr algn="ctr"/>
-                      <a:r>
-                        <a:rPr b="1" lang="es-MX">
+                    <a:bodyPr/>
+                    <a:p>
+                      <a:pPr algn="ctr">
+                        <a:lnSpc>
+                          <a:spcPct val="100000"/>
+                        </a:lnSpc>
+                      </a:pPr>
+                      <a:r>
+                        <a:rPr b="1" lang="es-MX" strike="noStrike">
                           <a:latin typeface="Arial"/>
                         </a:rPr>
                         <a:t>Nombre</a:t>
@@ -3627,11 +3723,15 @@
                 </a:tc>
                 <a:tc>
                   <a:txBody>
-                    <a:bodyPr lIns="90000" rIns="90000" tIns="46800" bIns="46800"/>
-                    <a:p>
-                      <a:pPr algn="ctr"/>
-                      <a:r>
-                        <a:rPr b="1" lang="es-MX">
+                    <a:bodyPr/>
+                    <a:p>
+                      <a:pPr algn="ctr">
+                        <a:lnSpc>
+                          <a:spcPct val="100000"/>
+                        </a:lnSpc>
+                      </a:pPr>
+                      <a:r>
+                        <a:rPr b="1" lang="es-MX" strike="noStrike">
                           <a:latin typeface="Arial"/>
                         </a:rPr>
                         <a:t>Teléfono</a:t>
@@ -3643,11 +3743,15 @@
                 </a:tc>
                 <a:tc>
                   <a:txBody>
-                    <a:bodyPr lIns="90000" rIns="90000" tIns="46800" bIns="46800"/>
-                    <a:p>
-                      <a:pPr algn="ctr"/>
-                      <a:r>
-                        <a:rPr b="1" lang="es-MX">
+                    <a:bodyPr/>
+                    <a:p>
+                      <a:pPr algn="ctr">
+                        <a:lnSpc>
+                          <a:spcPct val="100000"/>
+                        </a:lnSpc>
+                      </a:pPr>
+                      <a:r>
+                        <a:rPr b="1" lang="es-MX" strike="noStrike">
                           <a:latin typeface="Arial"/>
                         </a:rPr>
                         <a:t>Correo</a:t>
@@ -3658,14 +3762,18 @@
                   <a:tcPr/>
                 </a:tc>
               </a:tr>
-              <a:tr h="0">
-                <a:tc>
-                  <a:txBody>
-                    <a:bodyPr lIns="90000" rIns="90000" tIns="46800" bIns="46800"/>
-                    <a:p>
-                      <a:pPr algn="ctr"/>
-                      <a:r>
-                        <a:rPr lang="es-MX">
+              <a:tr h="800280">
+                <a:tc>
+                  <a:txBody>
+                    <a:bodyPr/>
+                    <a:p>
+                      <a:pPr algn="ctr">
+                        <a:lnSpc>
+                          <a:spcPct val="100000"/>
+                        </a:lnSpc>
+                      </a:pPr>
+                      <a:r>
+                        <a:rPr lang="es-MX" strike="noStrike">
                           <a:latin typeface="Arial"/>
                         </a:rPr>
                         <a:t>Líder de ventas</a:t>
@@ -3677,11 +3785,15 @@
                 </a:tc>
                 <a:tc>
                   <a:txBody>
-                    <a:bodyPr lIns="90000" rIns="90000" tIns="46800" bIns="46800"/>
-                    <a:p>
-                      <a:pPr algn="ctr"/>
-                      <a:r>
-                        <a:rPr lang="es-MX">
+                    <a:bodyPr/>
+                    <a:p>
+                      <a:pPr algn="ctr">
+                        <a:lnSpc>
+                          <a:spcPct val="100000"/>
+                        </a:lnSpc>
+                      </a:pPr>
+                      <a:r>
+                        <a:rPr lang="es-MX" strike="noStrike">
                           <a:latin typeface="Arial"/>
                         </a:rPr>
                         <a:t>Oriana Osiris de la Cruz</a:t>
@@ -3693,11 +3805,15 @@
                 </a:tc>
                 <a:tc>
                   <a:txBody>
-                    <a:bodyPr lIns="90000" rIns="90000" tIns="46800" bIns="46800"/>
-                    <a:p>
-                      <a:pPr algn="ctr"/>
-                      <a:r>
-                        <a:rPr lang="es-MX">
+                    <a:bodyPr/>
+                    <a:p>
+                      <a:pPr algn="ctr">
+                        <a:lnSpc>
+                          <a:spcPct val="100000"/>
+                        </a:lnSpc>
+                      </a:pPr>
+                      <a:r>
+                        <a:rPr lang="es-MX" strike="noStrike">
                           <a:latin typeface="Arial"/>
                         </a:rPr>
                         <a:t>33 14 21 95 20</a:t>
@@ -3709,10 +3825,10 @@
                 </a:tc>
                 <a:tc>
                   <a:txBody>
-                    <a:bodyPr lIns="90000" rIns="90000" tIns="46800" bIns="46800"/>
-                    <a:p>
-                      <a:r>
-                        <a:rPr lang="es-MX">
+                    <a:bodyPr/>
+                    <a:p>
+                      <a:r>
+                        <a:rPr lang="es-MX" strike="noStrike">
                           <a:latin typeface="Arial"/>
                         </a:rPr>
                         <a:t>oriana.campos@sos-soft.com</a:t>
@@ -3723,14 +3839,18 @@
                   <a:tcPr/>
                 </a:tc>
               </a:tr>
-              <a:tr h="0">
-                <a:tc>
-                  <a:txBody>
-                    <a:bodyPr lIns="90000" rIns="90000" tIns="46800" bIns="46800"/>
-                    <a:p>
-                      <a:pPr algn="ctr"/>
-                      <a:r>
-                        <a:rPr lang="es-MX">
+              <a:tr h="800280">
+                <a:tc>
+                  <a:txBody>
+                    <a:bodyPr/>
+                    <a:p>
+                      <a:pPr algn="ctr">
+                        <a:lnSpc>
+                          <a:spcPct val="100000"/>
+                        </a:lnSpc>
+                      </a:pPr>
+                      <a:r>
+                        <a:rPr lang="es-MX" strike="noStrike">
                           <a:latin typeface="Arial"/>
                         </a:rPr>
                         <a:t>Vendedor</a:t>
@@ -3742,11 +3862,15 @@
                 </a:tc>
                 <a:tc>
                   <a:txBody>
-                    <a:bodyPr lIns="90000" rIns="90000" tIns="46800" bIns="46800"/>
-                    <a:p>
-                      <a:pPr algn="ctr"/>
-                      <a:r>
-                        <a:rPr lang="es-MX">
+                    <a:bodyPr/>
+                    <a:p>
+                      <a:pPr algn="ctr">
+                        <a:lnSpc>
+                          <a:spcPct val="100000"/>
+                        </a:lnSpc>
+                      </a:pPr>
+                      <a:r>
+                        <a:rPr lang="es-MX" strike="noStrike">
                           <a:latin typeface="Arial"/>
                         </a:rPr>
                         <a:t>Marisol Ornelas</a:t>
@@ -3758,11 +3882,15 @@
                 </a:tc>
                 <a:tc>
                   <a:txBody>
-                    <a:bodyPr lIns="90000" rIns="90000" tIns="46800" bIns="46800"/>
-                    <a:p>
-                      <a:pPr algn="ctr"/>
-                      <a:r>
-                        <a:rPr lang="es-MX">
+                    <a:bodyPr/>
+                    <a:p>
+                      <a:pPr algn="ctr">
+                        <a:lnSpc>
+                          <a:spcPct val="100000"/>
+                        </a:lnSpc>
+                      </a:pPr>
+                      <a:r>
+                        <a:rPr lang="es-MX" strike="noStrike">
                           <a:latin typeface="Arial"/>
                         </a:rPr>
                         <a:t>3313482553</a:t>
@@ -3774,10 +3902,10 @@
                 </a:tc>
                 <a:tc>
                   <a:txBody>
-                    <a:bodyPr lIns="90000" rIns="90000" tIns="46800" bIns="46800"/>
-                    <a:p>
-                      <a:r>
-                        <a:rPr lang="es-MX">
+                    <a:bodyPr/>
+                    <a:p>
+                      <a:r>
+                        <a:rPr lang="es-MX" strike="noStrike">
                           <a:latin typeface="Arial"/>
                         </a:rPr>
                         <a:t>marisol.ornelas@sos-soft.com</a:t>
@@ -3788,14 +3916,18 @@
                   <a:tcPr/>
                 </a:tc>
               </a:tr>
-              <a:tr h="0">
-                <a:tc>
-                  <a:txBody>
-                    <a:bodyPr lIns="90000" rIns="90000" tIns="46800" bIns="46800"/>
-                    <a:p>
-                      <a:pPr algn="ctr"/>
-                      <a:r>
-                        <a:rPr lang="es-MX">
+              <a:tr h="800280">
+                <a:tc>
+                  <a:txBody>
+                    <a:bodyPr/>
+                    <a:p>
+                      <a:pPr algn="ctr">
+                        <a:lnSpc>
+                          <a:spcPct val="100000"/>
+                        </a:lnSpc>
+                      </a:pPr>
+                      <a:r>
+                        <a:rPr lang="es-MX" strike="noStrike">
                           <a:latin typeface="Arial"/>
                         </a:rPr>
                         <a:t>Soporte </a:t>
@@ -3807,11 +3939,15 @@
                 </a:tc>
                 <a:tc>
                   <a:txBody>
-                    <a:bodyPr lIns="90000" rIns="90000" tIns="46800" bIns="46800"/>
-                    <a:p>
-                      <a:pPr algn="ctr"/>
-                      <a:r>
-                        <a:rPr lang="es-MX">
+                    <a:bodyPr/>
+                    <a:p>
+                      <a:pPr algn="ctr">
+                        <a:lnSpc>
+                          <a:spcPct val="100000"/>
+                        </a:lnSpc>
+                      </a:pPr>
+                      <a:r>
+                        <a:rPr lang="es-MX" strike="noStrike">
                           <a:latin typeface="Arial"/>
                         </a:rPr>
                         <a:t>Jose Francisco Llamas Díaz</a:t>
@@ -3823,17 +3959,21 @@
                 </a:tc>
                 <a:tc>
                   <a:txBody>
-                    <a:bodyPr lIns="90000" rIns="90000" tIns="46800" bIns="46800"/>
-                    <a:p>
-                      <a:pPr algn="ctr"/>
-                      <a:r>
-                        <a:rPr lang="es-MX">
+                    <a:bodyPr/>
+                    <a:p>
+                      <a:pPr algn="ctr">
+                        <a:lnSpc>
+                          <a:spcPct val="100000"/>
+                        </a:lnSpc>
+                      </a:pPr>
+                      <a:r>
+                        <a:rPr lang="es-MX" strike="noStrike">
                           <a:latin typeface="Arial"/>
                         </a:rPr>
                         <a:t> </a:t>
                       </a:r>
                       <a:r>
-                        <a:rPr lang="es-MX">
+                        <a:rPr lang="es-MX" strike="noStrike">
                           <a:latin typeface="Arial"/>
                         </a:rPr>
                         <a:t>33 16 36 73 65</a:t>
@@ -3845,10 +3985,10 @@
                 </a:tc>
                 <a:tc>
                   <a:txBody>
-                    <a:bodyPr lIns="90000" rIns="90000" tIns="46800" bIns="46800"/>
-                    <a:p>
-                      <a:r>
-                        <a:rPr lang="es-MX">
+                    <a:bodyPr/>
+                    <a:p>
+                      <a:r>
+                        <a:rPr lang="es-MX" strike="noStrike">
                           <a:latin typeface="Arial"/>
                         </a:rPr>
                         <a:t>francisco.llamas@sos-soft.com</a:t>
@@ -3859,14 +3999,18 @@
                   <a:tcPr/>
                 </a:tc>
               </a:tr>
-              <a:tr h="0">
-                <a:tc>
-                  <a:txBody>
-                    <a:bodyPr lIns="90000" rIns="90000" tIns="46800" bIns="46800"/>
-                    <a:p>
-                      <a:pPr algn="ctr"/>
-                      <a:r>
-                        <a:rPr lang="es-MX">
+              <a:tr h="800280">
+                <a:tc>
+                  <a:txBody>
+                    <a:bodyPr/>
+                    <a:p>
+                      <a:pPr algn="ctr">
+                        <a:lnSpc>
+                          <a:spcPct val="100000"/>
+                        </a:lnSpc>
+                      </a:pPr>
+                      <a:r>
+                        <a:rPr lang="es-MX" strike="noStrike">
                           <a:latin typeface="Arial"/>
                         </a:rPr>
                         <a:t>Calidad</a:t>
@@ -3878,11 +4022,15 @@
                 </a:tc>
                 <a:tc>
                   <a:txBody>
-                    <a:bodyPr lIns="90000" rIns="90000" tIns="46800" bIns="46800"/>
-                    <a:p>
-                      <a:pPr algn="ctr"/>
-                      <a:r>
-                        <a:rPr lang="es-MX">
+                    <a:bodyPr/>
+                    <a:p>
+                      <a:pPr algn="ctr">
+                        <a:lnSpc>
+                          <a:spcPct val="100000"/>
+                        </a:lnSpc>
+                      </a:pPr>
+                      <a:r>
+                        <a:rPr lang="es-MX" strike="noStrike">
                           <a:latin typeface="Arial"/>
                         </a:rPr>
                         <a:t>Jovanny Zepeda</a:t>
@@ -3894,11 +4042,15 @@
                 </a:tc>
                 <a:tc>
                   <a:txBody>
-                    <a:bodyPr lIns="90000" rIns="90000" tIns="46800" bIns="46800"/>
-                    <a:p>
-                      <a:pPr algn="ctr"/>
-                      <a:r>
-                        <a:rPr lang="es-MX">
+                    <a:bodyPr/>
+                    <a:p>
+                      <a:pPr algn="ctr">
+                        <a:lnSpc>
+                          <a:spcPct val="100000"/>
+                        </a:lnSpc>
+                      </a:pPr>
+                      <a:r>
+                        <a:rPr lang="es-MX" strike="noStrike">
                           <a:latin typeface="Arial"/>
                         </a:rPr>
                         <a:t>3318039095</a:t>
@@ -3910,10 +4062,10 @@
                 </a:tc>
                 <a:tc>
                   <a:txBody>
-                    <a:bodyPr lIns="90000" rIns="90000" tIns="46800" bIns="46800"/>
-                    <a:p>
-                      <a:r>
-                        <a:rPr lang="es-MX">
+                    <a:bodyPr/>
+                    <a:p>
+                      <a:r>
+                        <a:rPr lang="es-MX" strike="noStrike">
                           <a:latin typeface="Arial"/>
                         </a:rPr>
                         <a:t>zepeda.roque32@gmail.com</a:t>
@@ -3924,14 +4076,18 @@
                   <a:tcPr/>
                 </a:tc>
               </a:tr>
-              <a:tr h="0">
-                <a:tc>
-                  <a:txBody>
-                    <a:bodyPr lIns="90000" rIns="90000" tIns="46800" bIns="46800"/>
-                    <a:p>
-                      <a:pPr algn="ctr"/>
-                      <a:r>
-                        <a:rPr lang="es-MX">
+              <a:tr h="800280">
+                <a:tc>
+                  <a:txBody>
+                    <a:bodyPr/>
+                    <a:p>
+                      <a:pPr algn="ctr">
+                        <a:lnSpc>
+                          <a:spcPct val="100000"/>
+                        </a:lnSpc>
+                      </a:pPr>
+                      <a:r>
+                        <a:rPr lang="es-MX" strike="noStrike">
                           <a:latin typeface="Arial"/>
                         </a:rPr>
                         <a:t>Administración</a:t>
@@ -3943,11 +4099,15 @@
                 </a:tc>
                 <a:tc>
                   <a:txBody>
-                    <a:bodyPr lIns="90000" rIns="90000" tIns="46800" bIns="46800"/>
-                    <a:p>
-                      <a:pPr algn="ctr"/>
-                      <a:r>
-                        <a:rPr lang="es-MX">
+                    <a:bodyPr/>
+                    <a:p>
+                      <a:pPr algn="ctr">
+                        <a:lnSpc>
+                          <a:spcPct val="100000"/>
+                        </a:lnSpc>
+                      </a:pPr>
+                      <a:r>
+                        <a:rPr lang="es-MX" strike="noStrike">
                           <a:latin typeface="Arial"/>
                         </a:rPr>
                         <a:t>Adriana Jaramillo</a:t>
@@ -3959,11 +4119,15 @@
                 </a:tc>
                 <a:tc>
                   <a:txBody>
-                    <a:bodyPr lIns="90000" rIns="90000" tIns="46800" bIns="46800"/>
-                    <a:p>
-                      <a:pPr algn="ctr"/>
-                      <a:r>
-                        <a:rPr lang="es-MX">
+                    <a:bodyPr/>
+                    <a:p>
+                      <a:pPr algn="ctr">
+                        <a:lnSpc>
+                          <a:spcPct val="100000"/>
+                        </a:lnSpc>
+                      </a:pPr>
+                      <a:r>
+                        <a:rPr lang="es-MX" strike="noStrike">
                           <a:latin typeface="Arial"/>
                         </a:rPr>
                         <a:t>33 13 32 75 63</a:t>
@@ -3975,10 +4139,10 @@
                 </a:tc>
                 <a:tc>
                   <a:txBody>
-                    <a:bodyPr lIns="90000" rIns="90000" tIns="46800" bIns="46800"/>
-                    <a:p>
-                      <a:r>
-                        <a:rPr lang="es-MX">
+                    <a:bodyPr/>
+                    <a:p>
+                      <a:r>
+                        <a:rPr lang="es-MX" strike="noStrike">
                           <a:latin typeface="Arial"/>
                         </a:rPr>
                         <a:t>adriana.jaramillo@sos-soft.com</a:t>
@@ -3989,14 +4153,18 @@
                   <a:tcPr/>
                 </a:tc>
               </a:tr>
-              <a:tr h="0">
-                <a:tc>
-                  <a:txBody>
-                    <a:bodyPr lIns="90000" rIns="90000" tIns="46800" bIns="46800"/>
-                    <a:p>
-                      <a:pPr algn="ctr"/>
-                      <a:r>
-                        <a:rPr lang="es-MX">
+              <a:tr h="802080">
+                <a:tc>
+                  <a:txBody>
+                    <a:bodyPr/>
+                    <a:p>
+                      <a:pPr algn="ctr">
+                        <a:lnSpc>
+                          <a:spcPct val="100000"/>
+                        </a:lnSpc>
+                      </a:pPr>
+                      <a:r>
+                        <a:rPr lang="es-MX" strike="noStrike">
                           <a:latin typeface="Arial"/>
                         </a:rPr>
                         <a:t>Dirección</a:t>
@@ -4008,11 +4176,15 @@
                 </a:tc>
                 <a:tc>
                   <a:txBody>
-                    <a:bodyPr lIns="90000" rIns="90000" tIns="46800" bIns="46800"/>
-                    <a:p>
-                      <a:pPr algn="ctr"/>
-                      <a:r>
-                        <a:rPr lang="es-MX">
+                    <a:bodyPr/>
+                    <a:p>
+                      <a:pPr algn="ctr">
+                        <a:lnSpc>
+                          <a:spcPct val="100000"/>
+                        </a:lnSpc>
+                      </a:pPr>
+                      <a:r>
+                        <a:rPr lang="es-MX" strike="noStrike">
                           <a:latin typeface="Arial"/>
                         </a:rPr>
                         <a:t>Ricardo Novela</a:t>
@@ -4024,11 +4196,15 @@
                 </a:tc>
                 <a:tc>
                   <a:txBody>
-                    <a:bodyPr lIns="90000" rIns="90000" tIns="46800" bIns="46800"/>
-                    <a:p>
-                      <a:pPr algn="ctr"/>
-                      <a:r>
-                        <a:rPr lang="es-MX">
+                    <a:bodyPr/>
+                    <a:p>
+                      <a:pPr algn="ctr">
+                        <a:lnSpc>
+                          <a:spcPct val="100000"/>
+                        </a:lnSpc>
+                      </a:pPr>
+                      <a:r>
+                        <a:rPr lang="es-MX" strike="noStrike">
                           <a:latin typeface="Arial"/>
                         </a:rPr>
                         <a:t>3312448000</a:t>
@@ -4040,10 +4216,10 @@
                 </a:tc>
                 <a:tc>
                   <a:txBody>
-                    <a:bodyPr lIns="90000" rIns="90000" tIns="46800" bIns="46800"/>
-                    <a:p>
-                      <a:r>
-                        <a:rPr lang="es-MX">
+                    <a:bodyPr/>
+                    <a:p>
+                      <a:r>
+                        <a:rPr lang="es-MX" strike="noStrike">
                           <a:latin typeface="Arial"/>
                         </a:rPr>
                         <a:t>r.novela@sos-soft.com</a:t>
@@ -4060,14 +4236,14 @@
       </p:graphicFrame>
       <p:sp>
         <p:nvSpPr>
-          <p:cNvPr id="48" name="TextShape 4"/>
-          <p:cNvSpPr txBox="1"/>
+          <p:cNvPr id="48" name="CustomShape 4"/>
+          <p:cNvSpPr/>
           <p:nvPr/>
         </p:nvSpPr>
         <p:spPr>
           <a:xfrm>
             <a:off x="144000" y="1080000"/>
-            <a:ext cx="1512000" cy="346320"/>
+            <a:ext cx="1511640" cy="345960"/>
           </a:xfrm>
           <a:prstGeom prst="rect">
             <a:avLst/>
@@ -4077,11 +4253,17 @@
             <a:noFill/>
           </a:ln>
         </p:spPr>
+        <p:style>
+          <a:lnRef idx="0"/>
+          <a:fillRef idx="0"/>
+          <a:effectRef idx="0"/>
+          <a:fontRef idx="minor"/>
+        </p:style>
         <p:txBody>
           <a:bodyPr lIns="90000" rIns="90000" tIns="45000" bIns="45000"/>
           <a:p>
             <a:r>
-              <a:rPr lang="es-MX">
+              <a:rPr lang="es-MX" strike="noStrike">
                 <a:latin typeface="Arial"/>
               </a:rPr>
               <a:t>P1319</a:t>
@@ -4151,14 +4333,14 @@
       </p:grpSpPr>
       <p:sp>
         <p:nvSpPr>
-          <p:cNvPr id="49" name="TextShape 1"/>
-          <p:cNvSpPr txBox="1"/>
+          <p:cNvPr id="49" name="CustomShape 1"/>
+          <p:cNvSpPr/>
           <p:nvPr/>
         </p:nvSpPr>
         <p:spPr>
           <a:xfrm>
             <a:off x="576000" y="1080000"/>
-            <a:ext cx="7992000" cy="602280"/>
+            <a:ext cx="7991640" cy="601920"/>
           </a:xfrm>
           <a:prstGeom prst="rect">
             <a:avLst/>
@@ -4168,11 +4350,17 @@
             <a:noFill/>
           </a:ln>
         </p:spPr>
+        <p:style>
+          <a:lnRef idx="0"/>
+          <a:fillRef idx="0"/>
+          <a:effectRef idx="0"/>
+          <a:fontRef idx="minor"/>
+        </p:style>
         <p:txBody>
           <a:bodyPr lIns="90000" rIns="90000" tIns="45000" bIns="45000"/>
           <a:p>
             <a:r>
-              <a:rPr lang="es-MX">
+              <a:rPr lang="es-MX" strike="noStrike">
                 <a:latin typeface="Arial"/>
               </a:rPr>
               <a:t>Para la realización del proyecto p1319 no se requirió capacitación en alguna de las áreas</a:t>
@@ -4183,6 +4371,33 @@
       </p:sp>
     </p:spTree>
   </p:cSld>
+  <p:timing>
+    <p:tnLst>
+      <p:par>
+        <p:cTn id="10" dur="indefinite" restart="never" nodeType="tmRoot">
+          <p:childTnLst>
+            <p:seq>
+              <p:cTn id="11" nodeType="mainSeq"/>
+              <p:prevCondLst>
+                <p:cond delay="0" evt="onPrev">
+                  <p:tgtEl>
+                    <p:sldTgt/>
+                  </p:tgtEl>
+                </p:cond>
+              </p:prevCondLst>
+              <p:nextCondLst>
+                <p:cond delay="0" evt="onNext">
+                  <p:tgtEl>
+                    <p:sldTgt/>
+                  </p:tgtEl>
+                </p:cond>
+              </p:nextCondLst>
+            </p:seq>
+          </p:childTnLst>
+        </p:cTn>
+      </p:par>
+    </p:tnLst>
+  </p:timing>
 </p:sld>
 </file>
 
@@ -4212,7 +4427,7 @@
         <p:spPr>
           <a:xfrm>
             <a:off x="457200" y="274680"/>
-            <a:ext cx="8227080" cy="1140480"/>
+            <a:ext cx="8226720" cy="1140120"/>
           </a:xfrm>
           <a:prstGeom prst="rect">
             <a:avLst/>
@@ -4259,7 +4474,7 @@
         <p:spPr>
           <a:xfrm>
             <a:off x="457200" y="1600200"/>
-            <a:ext cx="8227080" cy="4523400"/>
+            <a:ext cx="8226720" cy="4523040"/>
           </a:xfrm>
           <a:prstGeom prst="rect">
             <a:avLst/>
@@ -4285,7 +4500,7 @@
         <p:spPr>
           <a:xfrm>
             <a:off x="792000" y="3990240"/>
-            <a:ext cx="7991280" cy="2284200"/>
+            <a:ext cx="7990920" cy="2283840"/>
           </a:xfrm>
           <a:prstGeom prst="rect">
             <a:avLst/>
@@ -4339,7 +4554,7 @@
         </p:nvGraphicFramePr>
         <p:xfrm>
           <a:off x="273960" y="1285200"/>
-          <a:ext cx="6078960" cy="2524680"/>
+          <a:ext cx="6078600" cy="2524320"/>
         </p:xfrm>
         <a:graphic>
           <a:graphicData uri="http://schemas.openxmlformats.org/drawingml/2006/table">
@@ -4351,14 +4566,18 @@
                 <a:gridCol w="990720"/>
                 <a:gridCol w="947520"/>
               </a:tblGrid>
-              <a:tr h="343440">
-                <a:tc>
-                  <a:txBody>
-                    <a:bodyPr lIns="90000" rIns="90000" tIns="46800" bIns="46800"/>
-                    <a:p>
-                      <a:pPr algn="ctr"/>
-                      <a:r>
-                        <a:rPr b="1" lang="es-MX">
+              <a:tr h="603720">
+                <a:tc>
+                  <a:txBody>
+                    <a:bodyPr/>
+                    <a:p>
+                      <a:pPr algn="ctr">
+                        <a:lnSpc>
+                          <a:spcPct val="100000"/>
+                        </a:lnSpc>
+                      </a:pPr>
+                      <a:r>
+                        <a:rPr b="1" lang="es-MX" strike="noStrike">
                           <a:latin typeface="Arial"/>
                         </a:rPr>
                         <a:t>nov-27</a:t>
@@ -4370,11 +4589,15 @@
                 </a:tc>
                 <a:tc>
                   <a:txBody>
-                    <a:bodyPr lIns="90000" rIns="90000" tIns="46800" bIns="46800"/>
-                    <a:p>
-                      <a:pPr algn="ctr"/>
-                      <a:r>
-                        <a:rPr lang="es-MX">
+                    <a:bodyPr/>
+                    <a:p>
+                      <a:pPr algn="ctr">
+                        <a:lnSpc>
+                          <a:spcPct val="100000"/>
+                        </a:lnSpc>
+                      </a:pPr>
+                      <a:r>
+                        <a:rPr lang="es-MX" strike="noStrike">
                           <a:latin typeface="Arial"/>
                         </a:rPr>
                         <a:t>Planeado</a:t>
@@ -4386,11 +4609,15 @@
                 </a:tc>
                 <a:tc>
                   <a:txBody>
-                    <a:bodyPr lIns="90000" rIns="90000" tIns="46800" bIns="46800"/>
-                    <a:p>
-                      <a:pPr algn="ctr"/>
-                      <a:r>
-                        <a:rPr lang="es-MX">
+                    <a:bodyPr/>
+                    <a:p>
+                      <a:pPr algn="ctr">
+                        <a:lnSpc>
+                          <a:spcPct val="100000"/>
+                        </a:lnSpc>
+                      </a:pPr>
+                      <a:r>
+                        <a:rPr lang="es-MX" strike="noStrike">
                           <a:latin typeface="Arial"/>
                         </a:rPr>
                         <a:t>Real</a:t>
@@ -4402,11 +4629,15 @@
                 </a:tc>
                 <a:tc>
                   <a:txBody>
-                    <a:bodyPr lIns="90000" rIns="90000" tIns="46800" bIns="46800"/>
-                    <a:p>
-                      <a:pPr algn="ctr"/>
-                      <a:r>
-                        <a:rPr lang="es-MX">
+                    <a:bodyPr/>
+                    <a:p>
+                      <a:pPr algn="ctr">
+                        <a:lnSpc>
+                          <a:spcPct val="100000"/>
+                        </a:lnSpc>
+                      </a:pPr>
+                      <a:r>
+                        <a:rPr lang="es-MX" strike="noStrike">
                           <a:latin typeface="Arial"/>
                         </a:rPr>
                         <a:t>Desviación</a:t>
@@ -4417,13 +4648,13 @@
                   <a:tcPr/>
                 </a:tc>
               </a:tr>
-              <a:tr h="0">
-                <a:tc>
-                  <a:txBody>
-                    <a:bodyPr lIns="90000" rIns="90000" tIns="46800" bIns="46800"/>
-                    <a:p>
-                      <a:r>
-                        <a:rPr lang="es-MX">
+              <a:tr h="347760">
+                <a:tc>
+                  <a:txBody>
+                    <a:bodyPr/>
+                    <a:p>
+                      <a:r>
+                        <a:rPr lang="es-MX" strike="noStrike">
                           <a:latin typeface="Arial"/>
                         </a:rPr>
                         <a:t>Ventas</a:t>
@@ -4435,17 +4666,21 @@
                 </a:tc>
                 <a:tc>
                   <a:txBody>
-                    <a:bodyPr lIns="90000" rIns="90000" tIns="46800" bIns="46800"/>
-                    <a:p>
-                      <a:pPr algn="ctr"/>
-                      <a:r>
-                        <a:rPr lang="es-MX">
+                    <a:bodyPr/>
+                    <a:p>
+                      <a:pPr algn="ctr">
+                        <a:lnSpc>
+                          <a:spcPct val="100000"/>
+                        </a:lnSpc>
+                      </a:pPr>
+                      <a:r>
+                        <a:rPr lang="es-MX" strike="noStrike">
                           <a:latin typeface="Arial"/>
                         </a:rPr>
                         <a:t> </a:t>
                       </a:r>
                       <a:r>
-                        <a:rPr lang="es-MX">
+                        <a:rPr lang="es-MX" strike="noStrike">
                           <a:latin typeface="Arial"/>
                         </a:rPr>
                         <a:t>$22.33 </a:t>
@@ -4457,17 +4692,21 @@
                 </a:tc>
                 <a:tc>
                   <a:txBody>
-                    <a:bodyPr lIns="90000" rIns="90000" tIns="46800" bIns="46800"/>
-                    <a:p>
-                      <a:pPr algn="ctr"/>
-                      <a:r>
-                        <a:rPr lang="es-MX">
+                    <a:bodyPr/>
+                    <a:p>
+                      <a:pPr algn="ctr">
+                        <a:lnSpc>
+                          <a:spcPct val="100000"/>
+                        </a:lnSpc>
+                      </a:pPr>
+                      <a:r>
+                        <a:rPr lang="es-MX" strike="noStrike">
                           <a:latin typeface="Arial"/>
                         </a:rPr>
                         <a:t> </a:t>
                       </a:r>
                       <a:r>
-                        <a:rPr lang="es-MX">
+                        <a:rPr lang="es-MX" strike="noStrike">
                           <a:latin typeface="Arial"/>
                         </a:rPr>
                         <a:t>$47.40 </a:t>
@@ -4479,11 +4718,15 @@
                 </a:tc>
                 <a:tc>
                   <a:txBody>
-                    <a:bodyPr lIns="90000" rIns="90000" tIns="46800" bIns="46800"/>
-                    <a:p>
-                      <a:pPr algn="ctr"/>
-                      <a:r>
-                        <a:rPr lang="es-MX">
+                    <a:bodyPr/>
+                    <a:p>
+                      <a:pPr algn="ctr">
+                        <a:lnSpc>
+                          <a:spcPct val="100000"/>
+                        </a:lnSpc>
+                      </a:pPr>
+                      <a:r>
+                        <a:rPr lang="es-MX" strike="noStrike">
                           <a:latin typeface="Arial"/>
                         </a:rPr>
                         <a:t>-112%</a:t>
@@ -4494,13 +4737,13 @@
                   <a:tcPr/>
                 </a:tc>
               </a:tr>
-              <a:tr h="0">
-                <a:tc>
-                  <a:txBody>
-                    <a:bodyPr lIns="90000" rIns="90000" tIns="46800" bIns="46800"/>
-                    <a:p>
-                      <a:r>
-                        <a:rPr lang="es-MX">
+              <a:tr h="347760">
+                <a:tc>
+                  <a:txBody>
+                    <a:bodyPr/>
+                    <a:p>
+                      <a:r>
+                        <a:rPr lang="es-MX" strike="noStrike">
                           <a:latin typeface="Arial"/>
                         </a:rPr>
                         <a:t>Planeación</a:t>
@@ -4512,17 +4755,21 @@
                 </a:tc>
                 <a:tc>
                   <a:txBody>
-                    <a:bodyPr lIns="90000" rIns="90000" tIns="46800" bIns="46800"/>
-                    <a:p>
-                      <a:pPr algn="ctr"/>
-                      <a:r>
-                        <a:rPr lang="es-MX">
+                    <a:bodyPr/>
+                    <a:p>
+                      <a:pPr algn="ctr">
+                        <a:lnSpc>
+                          <a:spcPct val="100000"/>
+                        </a:lnSpc>
+                      </a:pPr>
+                      <a:r>
+                        <a:rPr lang="es-MX" strike="noStrike">
                           <a:latin typeface="Arial"/>
                         </a:rPr>
                         <a:t> </a:t>
                       </a:r>
                       <a:r>
-                        <a:rPr lang="es-MX">
+                        <a:rPr lang="es-MX" strike="noStrike">
                           <a:latin typeface="Arial"/>
                         </a:rPr>
                         <a:t>$3.96 </a:t>
@@ -4534,17 +4781,21 @@
                 </a:tc>
                 <a:tc>
                   <a:txBody>
-                    <a:bodyPr lIns="90000" rIns="90000" tIns="46800" bIns="46800"/>
-                    <a:p>
-                      <a:pPr algn="ctr"/>
-                      <a:r>
-                        <a:rPr lang="es-MX">
+                    <a:bodyPr/>
+                    <a:p>
+                      <a:pPr algn="ctr">
+                        <a:lnSpc>
+                          <a:spcPct val="100000"/>
+                        </a:lnSpc>
+                      </a:pPr>
+                      <a:r>
+                        <a:rPr lang="es-MX" strike="noStrike">
                           <a:latin typeface="Arial"/>
                         </a:rPr>
                         <a:t> </a:t>
                       </a:r>
                       <a:r>
-                        <a:rPr lang="es-MX">
+                        <a:rPr lang="es-MX" strike="noStrike">
                           <a:latin typeface="Arial"/>
                         </a:rPr>
                         <a:t>$-   </a:t>
@@ -4556,11 +4807,15 @@
                 </a:tc>
                 <a:tc>
                   <a:txBody>
-                    <a:bodyPr lIns="90000" rIns="90000" tIns="46800" bIns="46800"/>
-                    <a:p>
-                      <a:pPr algn="ctr"/>
-                      <a:r>
-                        <a:rPr lang="es-MX">
+                    <a:bodyPr/>
+                    <a:p>
+                      <a:pPr algn="ctr">
+                        <a:lnSpc>
+                          <a:spcPct val="100000"/>
+                        </a:lnSpc>
+                      </a:pPr>
+                      <a:r>
+                        <a:rPr lang="es-MX" strike="noStrike">
                           <a:latin typeface="Arial"/>
                         </a:rPr>
                         <a:t>100%</a:t>
@@ -4571,13 +4826,13 @@
                   <a:tcPr/>
                 </a:tc>
               </a:tr>
-              <a:tr h="0">
-                <a:tc>
-                  <a:txBody>
-                    <a:bodyPr lIns="90000" rIns="90000" tIns="46800" bIns="46800"/>
-                    <a:p>
-                      <a:r>
-                        <a:rPr lang="es-MX">
+              <a:tr h="347760">
+                <a:tc>
+                  <a:txBody>
+                    <a:bodyPr/>
+                    <a:p>
+                      <a:r>
+                        <a:rPr lang="es-MX" strike="noStrike">
                           <a:latin typeface="Arial"/>
                         </a:rPr>
                         <a:t>Implementación</a:t>
@@ -4589,17 +4844,21 @@
                 </a:tc>
                 <a:tc>
                   <a:txBody>
-                    <a:bodyPr lIns="90000" rIns="90000" tIns="46800" bIns="46800"/>
-                    <a:p>
-                      <a:pPr algn="ctr"/>
-                      <a:r>
-                        <a:rPr lang="es-MX">
+                    <a:bodyPr/>
+                    <a:p>
+                      <a:pPr algn="ctr">
+                        <a:lnSpc>
+                          <a:spcPct val="100000"/>
+                        </a:lnSpc>
+                      </a:pPr>
+                      <a:r>
+                        <a:rPr lang="es-MX" strike="noStrike">
                           <a:latin typeface="Arial"/>
                         </a:rPr>
                         <a:t> </a:t>
                       </a:r>
                       <a:r>
-                        <a:rPr lang="es-MX">
+                        <a:rPr lang="es-MX" strike="noStrike">
                           <a:latin typeface="Arial"/>
                         </a:rPr>
                         <a:t>$19.40 </a:t>
@@ -4611,17 +4870,21 @@
                 </a:tc>
                 <a:tc>
                   <a:txBody>
-                    <a:bodyPr lIns="90000" rIns="90000" tIns="46800" bIns="46800"/>
-                    <a:p>
-                      <a:pPr algn="ctr"/>
-                      <a:r>
-                        <a:rPr lang="es-MX">
+                    <a:bodyPr/>
+                    <a:p>
+                      <a:pPr algn="ctr">
+                        <a:lnSpc>
+                          <a:spcPct val="100000"/>
+                        </a:lnSpc>
+                      </a:pPr>
+                      <a:r>
+                        <a:rPr lang="es-MX" strike="noStrike">
                           <a:latin typeface="Arial"/>
                         </a:rPr>
                         <a:t> </a:t>
                       </a:r>
                       <a:r>
-                        <a:rPr lang="es-MX">
+                        <a:rPr lang="es-MX" strike="noStrike">
                           <a:latin typeface="Arial"/>
                         </a:rPr>
                         <a:t>$10.94 </a:t>
@@ -4633,11 +4896,15 @@
                 </a:tc>
                 <a:tc>
                   <a:txBody>
-                    <a:bodyPr lIns="90000" rIns="90000" tIns="46800" bIns="46800"/>
-                    <a:p>
-                      <a:pPr algn="ctr"/>
-                      <a:r>
-                        <a:rPr lang="es-MX">
+                    <a:bodyPr/>
+                    <a:p>
+                      <a:pPr algn="ctr">
+                        <a:lnSpc>
+                          <a:spcPct val="100000"/>
+                        </a:lnSpc>
+                      </a:pPr>
+                      <a:r>
+                        <a:rPr lang="es-MX" strike="noStrike">
                           <a:latin typeface="Arial"/>
                         </a:rPr>
                         <a:t>44%</a:t>
@@ -4648,13 +4915,13 @@
                   <a:tcPr/>
                 </a:tc>
               </a:tr>
-              <a:tr h="0">
-                <a:tc>
-                  <a:txBody>
-                    <a:bodyPr lIns="90000" rIns="90000" tIns="46800" bIns="46800"/>
-                    <a:p>
-                      <a:r>
-                        <a:rPr lang="es-MX">
+              <a:tr h="347760">
+                <a:tc>
+                  <a:txBody>
+                    <a:bodyPr/>
+                    <a:p>
+                      <a:r>
+                        <a:rPr lang="es-MX" strike="noStrike">
                           <a:latin typeface="Arial"/>
                         </a:rPr>
                         <a:t>Cierre</a:t>
@@ -4666,17 +4933,21 @@
                 </a:tc>
                 <a:tc>
                   <a:txBody>
-                    <a:bodyPr lIns="90000" rIns="90000" tIns="46800" bIns="46800"/>
-                    <a:p>
-                      <a:pPr algn="ctr"/>
-                      <a:r>
-                        <a:rPr lang="es-MX">
+                    <a:bodyPr/>
+                    <a:p>
+                      <a:pPr algn="ctr">
+                        <a:lnSpc>
+                          <a:spcPct val="100000"/>
+                        </a:lnSpc>
+                      </a:pPr>
+                      <a:r>
+                        <a:rPr lang="es-MX" strike="noStrike">
                           <a:latin typeface="Arial"/>
                         </a:rPr>
                         <a:t> </a:t>
                       </a:r>
                       <a:r>
-                        <a:rPr lang="es-MX">
+                        <a:rPr lang="es-MX" strike="noStrike">
                           <a:latin typeface="Arial"/>
                         </a:rPr>
                         <a:t>$5.50 </a:t>
@@ -4688,17 +4959,21 @@
                 </a:tc>
                 <a:tc>
                   <a:txBody>
-                    <a:bodyPr lIns="90000" rIns="90000" tIns="46800" bIns="46800"/>
-                    <a:p>
-                      <a:pPr algn="ctr"/>
-                      <a:r>
-                        <a:rPr lang="es-MX">
+                    <a:bodyPr/>
+                    <a:p>
+                      <a:pPr algn="ctr">
+                        <a:lnSpc>
+                          <a:spcPct val="100000"/>
+                        </a:lnSpc>
+                      </a:pPr>
+                      <a:r>
+                        <a:rPr lang="es-MX" strike="noStrike">
                           <a:latin typeface="Arial"/>
                         </a:rPr>
                         <a:t> </a:t>
                       </a:r>
                       <a:r>
-                        <a:rPr lang="es-MX">
+                        <a:rPr lang="es-MX" strike="noStrike">
                           <a:latin typeface="Arial"/>
                         </a:rPr>
                         <a:t>$35.70 </a:t>
@@ -4710,11 +4985,15 @@
                 </a:tc>
                 <a:tc>
                   <a:txBody>
-                    <a:bodyPr lIns="90000" rIns="90000" tIns="46800" bIns="46800"/>
-                    <a:p>
-                      <a:pPr algn="ctr"/>
-                      <a:r>
-                        <a:rPr lang="es-MX">
+                    <a:bodyPr/>
+                    <a:p>
+                      <a:pPr algn="ctr">
+                        <a:lnSpc>
+                          <a:spcPct val="100000"/>
+                        </a:lnSpc>
+                      </a:pPr>
+                      <a:r>
+                        <a:rPr lang="es-MX" strike="noStrike">
                           <a:latin typeface="Arial"/>
                         </a:rPr>
                         <a:t>-549%</a:t>
@@ -4725,13 +5004,13 @@
                   <a:tcPr/>
                 </a:tc>
               </a:tr>
-              <a:tr h="0">
-                <a:tc>
-                  <a:txBody>
-                    <a:bodyPr lIns="90000" rIns="90000" tIns="46800" bIns="46800"/>
-                    <a:p>
-                      <a:r>
-                        <a:rPr lang="es-MX">
+              <a:tr h="347760">
+                <a:tc>
+                  <a:txBody>
+                    <a:bodyPr/>
+                    <a:p>
+                      <a:r>
+                        <a:rPr lang="es-MX" strike="noStrike">
                           <a:latin typeface="Arial"/>
                         </a:rPr>
                         <a:t>Garantia</a:t>
@@ -4743,17 +5022,21 @@
                 </a:tc>
                 <a:tc>
                   <a:txBody>
-                    <a:bodyPr lIns="90000" rIns="90000" tIns="46800" bIns="46800"/>
-                    <a:p>
-                      <a:pPr algn="ctr"/>
-                      <a:r>
-                        <a:rPr lang="es-MX">
+                    <a:bodyPr/>
+                    <a:p>
+                      <a:pPr algn="ctr">
+                        <a:lnSpc>
+                          <a:spcPct val="100000"/>
+                        </a:lnSpc>
+                      </a:pPr>
+                      <a:r>
+                        <a:rPr lang="es-MX" strike="noStrike">
                           <a:latin typeface="Arial"/>
                         </a:rPr>
                         <a:t> </a:t>
                       </a:r>
                       <a:r>
-                        <a:rPr lang="es-MX">
+                        <a:rPr lang="es-MX" strike="noStrike">
                           <a:latin typeface="Arial"/>
                         </a:rPr>
                         <a:t>$29.00 </a:t>
@@ -4765,17 +5048,21 @@
                 </a:tc>
                 <a:tc>
                   <a:txBody>
-                    <a:bodyPr lIns="90000" rIns="90000" tIns="46800" bIns="46800"/>
-                    <a:p>
-                      <a:pPr algn="ctr"/>
-                      <a:r>
-                        <a:rPr lang="es-MX">
+                    <a:bodyPr/>
+                    <a:p>
+                      <a:pPr algn="ctr">
+                        <a:lnSpc>
+                          <a:spcPct val="100000"/>
+                        </a:lnSpc>
+                      </a:pPr>
+                      <a:r>
+                        <a:rPr lang="es-MX" strike="noStrike">
                           <a:latin typeface="Arial"/>
                         </a:rPr>
                         <a:t> </a:t>
                       </a:r>
                       <a:r>
-                        <a:rPr lang="es-MX">
+                        <a:rPr lang="es-MX" strike="noStrike">
                           <a:latin typeface="Arial"/>
                         </a:rPr>
                         <a:t>$-   </a:t>
@@ -4787,11 +5074,15 @@
                 </a:tc>
                 <a:tc>
                   <a:txBody>
-                    <a:bodyPr lIns="90000" rIns="90000" tIns="46800" bIns="46800"/>
-                    <a:p>
-                      <a:pPr algn="ctr"/>
-                      <a:r>
-                        <a:rPr lang="es-MX">
+                    <a:bodyPr/>
+                    <a:p>
+                      <a:pPr algn="ctr">
+                        <a:lnSpc>
+                          <a:spcPct val="100000"/>
+                        </a:lnSpc>
+                      </a:pPr>
+                      <a:r>
+                        <a:rPr lang="es-MX" strike="noStrike">
                           <a:latin typeface="Arial"/>
                         </a:rPr>
                         <a:t>100%</a:t>
@@ -4802,13 +5093,13 @@
                   <a:tcPr/>
                 </a:tc>
               </a:tr>
-              <a:tr h="0">
-                <a:tc>
-                  <a:txBody>
-                    <a:bodyPr lIns="90000" rIns="90000" tIns="46800" bIns="46800"/>
-                    <a:p>
-                      <a:r>
-                        <a:rPr lang="es-MX">
+              <a:tr h="347760">
+                <a:tc>
+                  <a:txBody>
+                    <a:bodyPr/>
+                    <a:p>
+                      <a:r>
+                        <a:rPr lang="es-MX" strike="noStrike">
                           <a:latin typeface="Arial"/>
                         </a:rPr>
                         <a:t>Soporte</a:t>
@@ -4820,17 +5111,21 @@
                 </a:tc>
                 <a:tc>
                   <a:txBody>
-                    <a:bodyPr lIns="90000" rIns="90000" tIns="46800" bIns="46800"/>
-                    <a:p>
-                      <a:pPr algn="ctr"/>
-                      <a:r>
-                        <a:rPr lang="es-MX">
+                    <a:bodyPr/>
+                    <a:p>
+                      <a:pPr algn="ctr">
+                        <a:lnSpc>
+                          <a:spcPct val="100000"/>
+                        </a:lnSpc>
+                      </a:pPr>
+                      <a:r>
+                        <a:rPr lang="es-MX" strike="noStrike">
                           <a:latin typeface="Arial"/>
                         </a:rPr>
                         <a:t> </a:t>
                       </a:r>
                       <a:r>
-                        <a:rPr lang="es-MX">
+                        <a:rPr lang="es-MX" strike="noStrike">
                           <a:latin typeface="Arial"/>
                         </a:rPr>
                         <a:t>$22.50 </a:t>
@@ -4842,17 +5137,21 @@
                 </a:tc>
                 <a:tc>
                   <a:txBody>
-                    <a:bodyPr lIns="90000" rIns="90000" tIns="46800" bIns="46800"/>
-                    <a:p>
-                      <a:pPr algn="ctr"/>
-                      <a:r>
-                        <a:rPr lang="es-MX">
+                    <a:bodyPr/>
+                    <a:p>
+                      <a:pPr algn="ctr">
+                        <a:lnSpc>
+                          <a:spcPct val="100000"/>
+                        </a:lnSpc>
+                      </a:pPr>
+                      <a:r>
+                        <a:rPr lang="es-MX" strike="noStrike">
                           <a:latin typeface="Arial"/>
                         </a:rPr>
                         <a:t> </a:t>
                       </a:r>
                       <a:r>
-                        <a:rPr lang="es-MX">
+                        <a:rPr lang="es-MX" strike="noStrike">
                           <a:latin typeface="Arial"/>
                         </a:rPr>
                         <a:t>$18.00 </a:t>
@@ -4864,11 +5163,15 @@
                 </a:tc>
                 <a:tc>
                   <a:txBody>
-                    <a:bodyPr lIns="90000" rIns="90000" tIns="46800" bIns="46800"/>
-                    <a:p>
-                      <a:pPr algn="ctr"/>
-                      <a:r>
-                        <a:rPr lang="es-MX">
+                    <a:bodyPr/>
+                    <a:p>
+                      <a:pPr algn="ctr">
+                        <a:lnSpc>
+                          <a:spcPct val="100000"/>
+                        </a:lnSpc>
+                      </a:pPr>
+                      <a:r>
+                        <a:rPr lang="es-MX" strike="noStrike">
                           <a:solidFill>
                             <a:srgbClr val="000000"/>
                           </a:solidFill>
@@ -4891,13 +5194,13 @@
   <p:timing>
     <p:tnLst>
       <p:par>
-        <p:cTn id="10" dur="indefinite" restart="never" nodeType="tmRoot">
+        <p:cTn id="12" dur="indefinite" restart="never" nodeType="tmRoot">
           <p:childTnLst>
             <p:seq>
-              <p:cTn id="11" nodeType="mainSeq">
+              <p:cTn id="13" nodeType="mainSeq">
                 <p:childTnLst>
                   <p:par>
-                    <p:cTn id="12" fill="freeze">
+                    <p:cTn id="14" fill="freeze">
                       <p:stCondLst>
                         <p:cond delay="indefinite"/>
                       </p:stCondLst>
@@ -4954,7 +5257,7 @@
         <p:spPr>
           <a:xfrm>
             <a:off x="457200" y="274680"/>
-            <a:ext cx="8227080" cy="1140480"/>
+            <a:ext cx="8226720" cy="1140120"/>
           </a:xfrm>
           <a:prstGeom prst="rect">
             <a:avLst/>
@@ -5001,7 +5304,7 @@
         <p:spPr>
           <a:xfrm>
             <a:off x="457200" y="1600200"/>
-            <a:ext cx="8227080" cy="4523400"/>
+            <a:ext cx="8226720" cy="4523040"/>
           </a:xfrm>
           <a:prstGeom prst="rect">
             <a:avLst/>
@@ -5027,7 +5330,7 @@
         <p:spPr>
           <a:xfrm>
             <a:off x="5868000" y="1340640"/>
-            <a:ext cx="3076920" cy="1735560"/>
+            <a:ext cx="3076560" cy="1735200"/>
           </a:xfrm>
           <a:prstGeom prst="rect">
             <a:avLst/>
@@ -5073,7 +5376,7 @@
         </p:nvGraphicFramePr>
         <p:xfrm>
           <a:off x="139320" y="1185120"/>
-          <a:ext cx="5728320" cy="2524680"/>
+          <a:ext cx="5727960" cy="2524320"/>
         </p:xfrm>
         <a:graphic>
           <a:graphicData uri="http://schemas.openxmlformats.org/drawingml/2006/table">
@@ -5085,14 +5388,18 @@
                 <a:gridCol w="863640"/>
                 <a:gridCol w="901800"/>
               </a:tblGrid>
-              <a:tr h="343440">
-                <a:tc>
-                  <a:txBody>
-                    <a:bodyPr lIns="90000" rIns="90000" tIns="46800" bIns="46800"/>
-                    <a:p>
-                      <a:pPr algn="ctr"/>
-                      <a:r>
-                        <a:rPr b="1" lang="es-MX">
+              <a:tr h="603720">
+                <a:tc>
+                  <a:txBody>
+                    <a:bodyPr/>
+                    <a:p>
+                      <a:pPr algn="ctr">
+                        <a:lnSpc>
+                          <a:spcPct val="100000"/>
+                        </a:lnSpc>
+                      </a:pPr>
+                      <a:r>
+                        <a:rPr b="1" lang="es-MX" strike="noStrike">
                           <a:latin typeface="Arial"/>
                         </a:rPr>
                         <a:t>nov-27</a:t>
@@ -5104,10 +5411,10 @@
                 </a:tc>
                 <a:tc>
                   <a:txBody>
-                    <a:bodyPr lIns="90000" rIns="90000" tIns="46800" bIns="46800"/>
-                    <a:p>
-                      <a:r>
-                        <a:rPr lang="es-MX">
+                    <a:bodyPr/>
+                    <a:p>
+                      <a:r>
+                        <a:rPr lang="es-MX" strike="noStrike">
                           <a:latin typeface="Arial"/>
                         </a:rPr>
                         <a:t>Planeado</a:t>
@@ -5119,10 +5426,10 @@
                 </a:tc>
                 <a:tc>
                   <a:txBody>
-                    <a:bodyPr lIns="90000" rIns="90000" tIns="46800" bIns="46800"/>
-                    <a:p>
-                      <a:r>
-                        <a:rPr lang="es-MX">
+                    <a:bodyPr/>
+                    <a:p>
+                      <a:r>
+                        <a:rPr lang="es-MX" strike="noStrike">
                           <a:latin typeface="Arial"/>
                         </a:rPr>
                         <a:t>Real</a:t>
@@ -5134,10 +5441,10 @@
                 </a:tc>
                 <a:tc>
                   <a:txBody>
-                    <a:bodyPr lIns="90000" rIns="90000" tIns="46800" bIns="46800"/>
-                    <a:p>
-                      <a:r>
-                        <a:rPr lang="es-MX">
+                    <a:bodyPr/>
+                    <a:p>
+                      <a:r>
+                        <a:rPr lang="es-MX" strike="noStrike">
                           <a:latin typeface="Arial"/>
                         </a:rPr>
                         <a:t>Desviación</a:t>
@@ -5148,13 +5455,13 @@
                   <a:tcPr/>
                 </a:tc>
               </a:tr>
-              <a:tr h="0">
-                <a:tc>
-                  <a:txBody>
-                    <a:bodyPr lIns="90000" rIns="90000" tIns="46800" bIns="46800"/>
-                    <a:p>
-                      <a:r>
-                        <a:rPr lang="es-MX">
+              <a:tr h="347760">
+                <a:tc>
+                  <a:txBody>
+                    <a:bodyPr/>
+                    <a:p>
+                      <a:r>
+                        <a:rPr lang="es-MX" strike="noStrike">
                           <a:latin typeface="Arial"/>
                         </a:rPr>
                         <a:t>Ventas</a:t>
@@ -5166,11 +5473,15 @@
                 </a:tc>
                 <a:tc>
                   <a:txBody>
-                    <a:bodyPr lIns="90000" rIns="90000" tIns="46800" bIns="46800"/>
-                    <a:p>
-                      <a:pPr algn="ctr"/>
-                      <a:r>
-                        <a:rPr lang="es-MX">
+                    <a:bodyPr/>
+                    <a:p>
+                      <a:pPr algn="ctr">
+                        <a:lnSpc>
+                          <a:spcPct val="100000"/>
+                        </a:lnSpc>
+                      </a:pPr>
+                      <a:r>
+                        <a:rPr lang="es-MX" strike="noStrike">
                           <a:latin typeface="Arial"/>
                         </a:rPr>
                         <a:t>51</a:t>
@@ -5182,11 +5493,15 @@
                 </a:tc>
                 <a:tc>
                   <a:txBody>
-                    <a:bodyPr lIns="90000" rIns="90000" tIns="46800" bIns="46800"/>
-                    <a:p>
-                      <a:pPr algn="ctr"/>
-                      <a:r>
-                        <a:rPr lang="es-MX">
+                    <a:bodyPr/>
+                    <a:p>
+                      <a:pPr algn="ctr">
+                        <a:lnSpc>
+                          <a:spcPct val="100000"/>
+                        </a:lnSpc>
+                      </a:pPr>
+                      <a:r>
+                        <a:rPr lang="es-MX" strike="noStrike">
                           <a:latin typeface="Arial"/>
                         </a:rPr>
                         <a:t>195</a:t>
@@ -5198,11 +5513,15 @@
                 </a:tc>
                 <a:tc>
                   <a:txBody>
-                    <a:bodyPr lIns="90000" rIns="90000" tIns="46800" bIns="46800"/>
-                    <a:p>
-                      <a:pPr algn="r"/>
-                      <a:r>
-                        <a:rPr lang="es-MX">
+                    <a:bodyPr/>
+                    <a:p>
+                      <a:pPr algn="r">
+                        <a:lnSpc>
+                          <a:spcPct val="100000"/>
+                        </a:lnSpc>
+                      </a:pPr>
+                      <a:r>
+                        <a:rPr lang="es-MX" strike="noStrike">
                           <a:latin typeface="Arial"/>
                         </a:rPr>
                         <a:t>-282%</a:t>
@@ -5213,13 +5532,13 @@
                   <a:tcPr/>
                 </a:tc>
               </a:tr>
-              <a:tr h="0">
-                <a:tc>
-                  <a:txBody>
-                    <a:bodyPr lIns="90000" rIns="90000" tIns="46800" bIns="46800"/>
-                    <a:p>
-                      <a:r>
-                        <a:rPr lang="es-MX">
+              <a:tr h="347760">
+                <a:tc>
+                  <a:txBody>
+                    <a:bodyPr/>
+                    <a:p>
+                      <a:r>
+                        <a:rPr lang="es-MX" strike="noStrike">
                           <a:latin typeface="Arial"/>
                         </a:rPr>
                         <a:t>Planeación</a:t>
@@ -5231,11 +5550,15 @@
                 </a:tc>
                 <a:tc>
                   <a:txBody>
-                    <a:bodyPr lIns="90000" rIns="90000" tIns="46800" bIns="46800"/>
-                    <a:p>
-                      <a:pPr algn="ctr"/>
-                      <a:r>
-                        <a:rPr lang="es-MX">
+                    <a:bodyPr/>
+                    <a:p>
+                      <a:pPr algn="ctr">
+                        <a:lnSpc>
+                          <a:spcPct val="100000"/>
+                        </a:lnSpc>
+                      </a:pPr>
+                      <a:r>
+                        <a:rPr lang="es-MX" strike="noStrike">
                           <a:latin typeface="Arial"/>
                         </a:rPr>
                         <a:t>35</a:t>
@@ -5247,11 +5570,15 @@
                 </a:tc>
                 <a:tc>
                   <a:txBody>
-                    <a:bodyPr lIns="90000" rIns="90000" tIns="46800" bIns="46800"/>
-                    <a:p>
-                      <a:pPr algn="ctr"/>
-                      <a:r>
-                        <a:rPr lang="es-MX">
+                    <a:bodyPr/>
+                    <a:p>
+                      <a:pPr algn="ctr">
+                        <a:lnSpc>
+                          <a:spcPct val="100000"/>
+                        </a:lnSpc>
+                      </a:pPr>
+                      <a:r>
+                        <a:rPr lang="es-MX" strike="noStrike">
                           <a:latin typeface="Arial"/>
                         </a:rPr>
                         <a:t>0</a:t>
@@ -5263,11 +5590,15 @@
                 </a:tc>
                 <a:tc>
                   <a:txBody>
-                    <a:bodyPr lIns="90000" rIns="90000" tIns="46800" bIns="46800"/>
-                    <a:p>
-                      <a:pPr algn="r"/>
-                      <a:r>
-                        <a:rPr lang="es-MX">
+                    <a:bodyPr/>
+                    <a:p>
+                      <a:pPr algn="r">
+                        <a:lnSpc>
+                          <a:spcPct val="100000"/>
+                        </a:lnSpc>
+                      </a:pPr>
+                      <a:r>
+                        <a:rPr lang="es-MX" strike="noStrike">
                           <a:latin typeface="Arial"/>
                         </a:rPr>
                         <a:t>100%</a:t>
@@ -5278,13 +5609,13 @@
                   <a:tcPr/>
                 </a:tc>
               </a:tr>
-              <a:tr h="0">
-                <a:tc>
-                  <a:txBody>
-                    <a:bodyPr lIns="90000" rIns="90000" tIns="46800" bIns="46800"/>
-                    <a:p>
-                      <a:r>
-                        <a:rPr lang="es-MX">
+              <a:tr h="347760">
+                <a:tc>
+                  <a:txBody>
+                    <a:bodyPr/>
+                    <a:p>
+                      <a:r>
+                        <a:rPr lang="es-MX" strike="noStrike">
                           <a:latin typeface="Arial"/>
                         </a:rPr>
                         <a:t>Implementación</a:t>
@@ -5296,11 +5627,15 @@
                 </a:tc>
                 <a:tc>
                   <a:txBody>
-                    <a:bodyPr lIns="90000" rIns="90000" tIns="46800" bIns="46800"/>
-                    <a:p>
-                      <a:pPr algn="ctr"/>
-                      <a:r>
-                        <a:rPr lang="es-MX">
+                    <a:bodyPr/>
+                    <a:p>
+                      <a:pPr algn="ctr">
+                        <a:lnSpc>
+                          <a:spcPct val="100000"/>
+                        </a:lnSpc>
+                      </a:pPr>
+                      <a:r>
+                        <a:rPr lang="es-MX" strike="noStrike">
                           <a:latin typeface="Arial"/>
                         </a:rPr>
                         <a:t>80</a:t>
@@ -5312,11 +5647,15 @@
                 </a:tc>
                 <a:tc>
                   <a:txBody>
-                    <a:bodyPr lIns="90000" rIns="90000" tIns="46800" bIns="46800"/>
-                    <a:p>
-                      <a:pPr algn="ctr"/>
-                      <a:r>
-                        <a:rPr lang="es-MX">
+                    <a:bodyPr/>
+                    <a:p>
+                      <a:pPr algn="ctr">
+                        <a:lnSpc>
+                          <a:spcPct val="100000"/>
+                        </a:lnSpc>
+                      </a:pPr>
+                      <a:r>
+                        <a:rPr lang="es-MX" strike="noStrike">
                           <a:latin typeface="Arial"/>
                         </a:rPr>
                         <a:t>45</a:t>
@@ -5328,11 +5667,15 @@
                 </a:tc>
                 <a:tc>
                   <a:txBody>
-                    <a:bodyPr lIns="90000" rIns="90000" tIns="46800" bIns="46800"/>
-                    <a:p>
-                      <a:pPr algn="r"/>
-                      <a:r>
-                        <a:rPr lang="es-MX">
+                    <a:bodyPr/>
+                    <a:p>
+                      <a:pPr algn="r">
+                        <a:lnSpc>
+                          <a:spcPct val="100000"/>
+                        </a:lnSpc>
+                      </a:pPr>
+                      <a:r>
+                        <a:rPr lang="es-MX" strike="noStrike">
                           <a:latin typeface="Arial"/>
                         </a:rPr>
                         <a:t>44%</a:t>
@@ -5343,13 +5686,13 @@
                   <a:tcPr/>
                 </a:tc>
               </a:tr>
-              <a:tr h="0">
-                <a:tc>
-                  <a:txBody>
-                    <a:bodyPr lIns="90000" rIns="90000" tIns="46800" bIns="46800"/>
-                    <a:p>
-                      <a:r>
-                        <a:rPr lang="es-MX">
+              <a:tr h="347760">
+                <a:tc>
+                  <a:txBody>
+                    <a:bodyPr/>
+                    <a:p>
+                      <a:r>
+                        <a:rPr lang="es-MX" strike="noStrike">
                           <a:latin typeface="Arial"/>
                         </a:rPr>
                         <a:t>Cierre</a:t>
@@ -5361,11 +5704,15 @@
                 </a:tc>
                 <a:tc>
                   <a:txBody>
-                    <a:bodyPr lIns="90000" rIns="90000" tIns="46800" bIns="46800"/>
-                    <a:p>
-                      <a:pPr algn="ctr"/>
-                      <a:r>
-                        <a:rPr lang="es-MX">
+                    <a:bodyPr/>
+                    <a:p>
+                      <a:pPr algn="ctr">
+                        <a:lnSpc>
+                          <a:spcPct val="100000"/>
+                        </a:lnSpc>
+                      </a:pPr>
+                      <a:r>
+                        <a:rPr lang="es-MX" strike="noStrike">
                           <a:latin typeface="Arial"/>
                         </a:rPr>
                         <a:t>23</a:t>
@@ -5377,11 +5724,15 @@
                 </a:tc>
                 <a:tc>
                   <a:txBody>
-                    <a:bodyPr lIns="90000" rIns="90000" tIns="46800" bIns="46800"/>
-                    <a:p>
-                      <a:pPr algn="ctr"/>
-                      <a:r>
-                        <a:rPr lang="es-MX">
+                    <a:bodyPr/>
+                    <a:p>
+                      <a:pPr algn="ctr">
+                        <a:lnSpc>
+                          <a:spcPct val="100000"/>
+                        </a:lnSpc>
+                      </a:pPr>
+                      <a:r>
+                        <a:rPr lang="es-MX" strike="noStrike">
                           <a:latin typeface="Arial"/>
                         </a:rPr>
                         <a:t>147</a:t>
@@ -5393,11 +5744,15 @@
                 </a:tc>
                 <a:tc>
                   <a:txBody>
-                    <a:bodyPr lIns="90000" rIns="90000" tIns="46800" bIns="46800"/>
-                    <a:p>
-                      <a:pPr algn="r"/>
-                      <a:r>
-                        <a:rPr lang="es-MX">
+                    <a:bodyPr/>
+                    <a:p>
+                      <a:pPr algn="r">
+                        <a:lnSpc>
+                          <a:spcPct val="100000"/>
+                        </a:lnSpc>
+                      </a:pPr>
+                      <a:r>
+                        <a:rPr lang="es-MX" strike="noStrike">
                           <a:latin typeface="Arial"/>
                         </a:rPr>
                         <a:t>-539%</a:t>
@@ -5408,13 +5763,13 @@
                   <a:tcPr/>
                 </a:tc>
               </a:tr>
-              <a:tr h="0">
-                <a:tc>
-                  <a:txBody>
-                    <a:bodyPr lIns="90000" rIns="90000" tIns="46800" bIns="46800"/>
-                    <a:p>
-                      <a:r>
-                        <a:rPr lang="es-MX">
+              <a:tr h="347760">
+                <a:tc>
+                  <a:txBody>
+                    <a:bodyPr/>
+                    <a:p>
+                      <a:r>
+                        <a:rPr lang="es-MX" strike="noStrike">
                           <a:latin typeface="Arial"/>
                         </a:rPr>
                         <a:t>Garantia</a:t>
@@ -5426,11 +5781,15 @@
                 </a:tc>
                 <a:tc>
                   <a:txBody>
-                    <a:bodyPr lIns="90000" rIns="90000" tIns="46800" bIns="46800"/>
-                    <a:p>
-                      <a:pPr algn="ctr"/>
-                      <a:r>
-                        <a:rPr lang="es-MX">
+                    <a:bodyPr/>
+                    <a:p>
+                      <a:pPr algn="ctr">
+                        <a:lnSpc>
+                          <a:spcPct val="100000"/>
+                        </a:lnSpc>
+                      </a:pPr>
+                      <a:r>
+                        <a:rPr lang="es-MX" strike="noStrike">
                           <a:latin typeface="Arial"/>
                         </a:rPr>
                         <a:t>90</a:t>
@@ -5442,11 +5801,15 @@
                 </a:tc>
                 <a:tc>
                   <a:txBody>
-                    <a:bodyPr lIns="90000" rIns="90000" tIns="46800" bIns="46800"/>
-                    <a:p>
-                      <a:pPr algn="ctr"/>
-                      <a:r>
-                        <a:rPr lang="es-MX">
+                    <a:bodyPr/>
+                    <a:p>
+                      <a:pPr algn="ctr">
+                        <a:lnSpc>
+                          <a:spcPct val="100000"/>
+                        </a:lnSpc>
+                      </a:pPr>
+                      <a:r>
+                        <a:rPr lang="es-MX" strike="noStrike">
                           <a:latin typeface="Arial"/>
                         </a:rPr>
                         <a:t>0</a:t>
@@ -5458,11 +5821,15 @@
                 </a:tc>
                 <a:tc>
                   <a:txBody>
-                    <a:bodyPr lIns="90000" rIns="90000" tIns="46800" bIns="46800"/>
-                    <a:p>
-                      <a:pPr algn="r"/>
-                      <a:r>
-                        <a:rPr lang="es-MX">
+                    <a:bodyPr/>
+                    <a:p>
+                      <a:pPr algn="r">
+                        <a:lnSpc>
+                          <a:spcPct val="100000"/>
+                        </a:lnSpc>
+                      </a:pPr>
+                      <a:r>
+                        <a:rPr lang="es-MX" strike="noStrike">
                           <a:latin typeface="Arial"/>
                         </a:rPr>
                         <a:t>100%</a:t>
@@ -5473,13 +5840,13 @@
                   <a:tcPr/>
                 </a:tc>
               </a:tr>
-              <a:tr h="0">
-                <a:tc>
-                  <a:txBody>
-                    <a:bodyPr lIns="90000" rIns="90000" tIns="46800" bIns="46800"/>
-                    <a:p>
-                      <a:r>
-                        <a:rPr lang="es-MX">
+              <a:tr h="347760">
+                <a:tc>
+                  <a:txBody>
+                    <a:bodyPr/>
+                    <a:p>
+                      <a:r>
+                        <a:rPr lang="es-MX" strike="noStrike">
                           <a:latin typeface="Arial"/>
                         </a:rPr>
                         <a:t>Soporte</a:t>
@@ -5491,11 +5858,15 @@
                 </a:tc>
                 <a:tc>
                   <a:txBody>
-                    <a:bodyPr lIns="90000" rIns="90000" tIns="46800" bIns="46800"/>
-                    <a:p>
-                      <a:pPr algn="ctr"/>
-                      <a:r>
-                        <a:rPr lang="es-MX">
+                    <a:bodyPr/>
+                    <a:p>
+                      <a:pPr algn="ctr">
+                        <a:lnSpc>
+                          <a:spcPct val="100000"/>
+                        </a:lnSpc>
+                      </a:pPr>
+                      <a:r>
+                        <a:rPr lang="es-MX" strike="noStrike">
                           <a:latin typeface="Arial"/>
                         </a:rPr>
                         <a:t>142</a:t>
@@ -5507,11 +5878,15 @@
                 </a:tc>
                 <a:tc>
                   <a:txBody>
-                    <a:bodyPr lIns="90000" rIns="90000" tIns="46800" bIns="46800"/>
-                    <a:p>
-                      <a:pPr algn="ctr"/>
-                      <a:r>
-                        <a:rPr lang="es-MX">
+                    <a:bodyPr/>
+                    <a:p>
+                      <a:pPr algn="ctr">
+                        <a:lnSpc>
+                          <a:spcPct val="100000"/>
+                        </a:lnSpc>
+                      </a:pPr>
+                      <a:r>
+                        <a:rPr lang="es-MX" strike="noStrike">
                           <a:latin typeface="Arial"/>
                         </a:rPr>
                         <a:t>124</a:t>
@@ -5523,11 +5898,15 @@
                 </a:tc>
                 <a:tc>
                   <a:txBody>
-                    <a:bodyPr lIns="90000" rIns="90000" tIns="46800" bIns="46800"/>
-                    <a:p>
-                      <a:pPr algn="r"/>
-                      <a:r>
-                        <a:rPr lang="es-MX">
+                    <a:bodyPr/>
+                    <a:p>
+                      <a:pPr algn="r">
+                        <a:lnSpc>
+                          <a:spcPct val="100000"/>
+                        </a:lnSpc>
+                      </a:pPr>
+                      <a:r>
+                        <a:rPr lang="es-MX" strike="noStrike">
                           <a:latin typeface="Arial"/>
                         </a:rPr>
                         <a:t>13%</a:t>
@@ -5547,13 +5926,13 @@
   <p:timing>
     <p:tnLst>
       <p:par>
-        <p:cTn id="13" dur="indefinite" restart="never" nodeType="tmRoot">
+        <p:cTn id="15" dur="indefinite" restart="never" nodeType="tmRoot">
           <p:childTnLst>
             <p:seq>
-              <p:cTn id="14" nodeType="mainSeq">
+              <p:cTn id="16" nodeType="mainSeq">
                 <p:childTnLst>
                   <p:par>
-                    <p:cTn id="15" fill="freeze">
+                    <p:cTn id="17" fill="freeze">
                       <p:stCondLst>
                         <p:cond delay="indefinite"/>
                       </p:stCondLst>
@@ -5610,7 +5989,7 @@
         <p:spPr>
           <a:xfrm>
             <a:off x="457200" y="274680"/>
-            <a:ext cx="8227080" cy="1140480"/>
+            <a:ext cx="8226720" cy="1140120"/>
           </a:xfrm>
           <a:prstGeom prst="rect">
             <a:avLst/>
@@ -5657,7 +6036,7 @@
         <p:spPr>
           <a:xfrm>
             <a:off x="457200" y="1600200"/>
-            <a:ext cx="8227080" cy="4523400"/>
+            <a:ext cx="8226720" cy="4523040"/>
           </a:xfrm>
           <a:prstGeom prst="rect">
             <a:avLst/>
@@ -5683,7 +6062,7 @@
         <p:spPr>
           <a:xfrm>
             <a:off x="6365160" y="1124640"/>
-            <a:ext cx="2285640" cy="3107160"/>
+            <a:ext cx="2285280" cy="3106800"/>
           </a:xfrm>
           <a:prstGeom prst="rect">
             <a:avLst/>
@@ -5737,7 +6116,7 @@
         </p:nvGraphicFramePr>
         <p:xfrm>
           <a:off x="576000" y="1944000"/>
-          <a:ext cx="5790960" cy="2856240"/>
+          <a:ext cx="5790600" cy="2855880"/>
         </p:xfrm>
         <a:graphic>
           <a:graphicData uri="http://schemas.openxmlformats.org/drawingml/2006/chart">
@@ -5750,13 +6129,13 @@
   <p:timing>
     <p:tnLst>
       <p:par>
-        <p:cTn id="16" dur="indefinite" restart="never" nodeType="tmRoot">
+        <p:cTn id="18" dur="indefinite" restart="never" nodeType="tmRoot">
           <p:childTnLst>
             <p:seq>
-              <p:cTn id="17" nodeType="mainSeq">
+              <p:cTn id="19" nodeType="mainSeq">
                 <p:childTnLst>
                   <p:par>
-                    <p:cTn id="18" fill="freeze">
+                    <p:cTn id="20" fill="freeze">
                       <p:stCondLst>
                         <p:cond delay="indefinite"/>
                       </p:stCondLst>
@@ -5813,7 +6192,7 @@
         <p:spPr>
           <a:xfrm>
             <a:off x="457200" y="274680"/>
-            <a:ext cx="8227080" cy="1140480"/>
+            <a:ext cx="8226720" cy="1140120"/>
           </a:xfrm>
           <a:prstGeom prst="rect">
             <a:avLst/>
@@ -5860,7 +6239,7 @@
         <p:spPr>
           <a:xfrm>
             <a:off x="457200" y="1600200"/>
-            <a:ext cx="8227080" cy="4523400"/>
+            <a:ext cx="8226720" cy="4523040"/>
           </a:xfrm>
           <a:prstGeom prst="rect">
             <a:avLst/>
@@ -5886,7 +6265,7 @@
         <p:spPr>
           <a:xfrm>
             <a:off x="6183360" y="1416240"/>
-            <a:ext cx="2500920" cy="2832840"/>
+            <a:ext cx="2500560" cy="2832480"/>
           </a:xfrm>
           <a:prstGeom prst="rect">
             <a:avLst/>
@@ -5956,7 +6335,7 @@
         </p:nvGraphicFramePr>
         <p:xfrm>
           <a:off x="72000" y="1463760"/>
-          <a:ext cx="5859360" cy="2856240"/>
+          <a:ext cx="5859000" cy="2855880"/>
         </p:xfrm>
         <a:graphic>
           <a:graphicData uri="http://schemas.openxmlformats.org/drawingml/2006/chart">
@@ -5969,13 +6348,13 @@
   <p:timing>
     <p:tnLst>
       <p:par>
-        <p:cTn id="19" dur="indefinite" restart="never" nodeType="tmRoot">
+        <p:cTn id="21" dur="indefinite" restart="never" nodeType="tmRoot">
           <p:childTnLst>
             <p:seq>
-              <p:cTn id="20" nodeType="mainSeq">
+              <p:cTn id="22" nodeType="mainSeq">
                 <p:childTnLst>
                   <p:par>
-                    <p:cTn id="21" fill="freeze">
+                    <p:cTn id="23" fill="freeze">
                       <p:stCondLst>
                         <p:cond delay="indefinite"/>
                       </p:stCondLst>
@@ -6032,7 +6411,7 @@
         <p:spPr>
           <a:xfrm>
             <a:off x="457200" y="274680"/>
-            <a:ext cx="8227080" cy="1140480"/>
+            <a:ext cx="8226720" cy="1140120"/>
           </a:xfrm>
           <a:prstGeom prst="rect">
             <a:avLst/>
@@ -6079,7 +6458,7 @@
         <p:spPr>
           <a:xfrm>
             <a:off x="457200" y="1600200"/>
-            <a:ext cx="8227080" cy="4523400"/>
+            <a:ext cx="8226720" cy="4523040"/>
           </a:xfrm>
           <a:prstGeom prst="rect">
             <a:avLst/>
@@ -6105,7 +6484,7 @@
         <p:spPr>
           <a:xfrm>
             <a:off x="6375960" y="1416240"/>
-            <a:ext cx="2285640" cy="3107160"/>
+            <a:ext cx="2285280" cy="3106800"/>
           </a:xfrm>
           <a:prstGeom prst="rect">
             <a:avLst/>
@@ -6164,7 +6543,7 @@
         <p:spPr>
           <a:xfrm>
             <a:off x="92880" y="1296000"/>
-            <a:ext cx="6387120" cy="2824560"/>
+            <a:ext cx="6386760" cy="2824200"/>
           </a:xfrm>
           <a:prstGeom prst="rect">
             <a:avLst/>
@@ -6179,13 +6558,13 @@
   <p:timing>
     <p:tnLst>
       <p:par>
-        <p:cTn id="22" dur="indefinite" restart="never" nodeType="tmRoot">
+        <p:cTn id="24" dur="indefinite" restart="never" nodeType="tmRoot">
           <p:childTnLst>
             <p:seq>
-              <p:cTn id="23" nodeType="mainSeq">
+              <p:cTn id="25" nodeType="mainSeq">
                 <p:childTnLst>
                   <p:par>
-                    <p:cTn id="24" fill="freeze">
+                    <p:cTn id="26" fill="freeze">
                       <p:stCondLst>
                         <p:cond delay="indefinite"/>
                       </p:stCondLst>

--- a/Proyectos/2015/Métricas y monitoreo/Reporte_monitoreo_151130.pptx
+++ b/Proyectos/2015/Métricas y monitoreo/Reporte_monitoreo_151130.pptx
@@ -100,11 +100,11 @@
         </c:ser>
         <c:gapWidth val="150"/>
         <c:overlap val="0"/>
-        <c:axId val="36694241"/>
-        <c:axId val="83800548"/>
+        <c:axId val="96275700"/>
+        <c:axId val="97276583"/>
       </c:barChart>
       <c:catAx>
-        <c:axId val="36694241"/>
+        <c:axId val="96275700"/>
         <c:scaling>
           <c:orientation val="minMax"/>
         </c:scaling>
@@ -121,14 +121,14 @@
             <a:round/>
           </a:ln>
         </c:spPr>
-        <c:crossAx val="83800548"/>
+        <c:crossAx val="97276583"/>
         <c:crosses val="autoZero"/>
         <c:auto val="1"/>
         <c:lblAlgn val="ctr"/>
         <c:lblOffset val="100"/>
       </c:catAx>
       <c:valAx>
-        <c:axId val="83800548"/>
+        <c:axId val="97276583"/>
         <c:scaling>
           <c:orientation val="minMax"/>
           <c:max val="1"/>
@@ -156,7 +156,7 @@
             <a:round/>
           </a:ln>
         </c:spPr>
-        <c:crossAx val="36694241"/>
+        <c:crossAx val="96275700"/>
         <c:crosses val="autoZero"/>
       </c:valAx>
       <c:dTable>
@@ -263,11 +263,11 @@
         </c:ser>
         <c:gapWidth val="150"/>
         <c:overlap val="0"/>
-        <c:axId val="51815141"/>
-        <c:axId val="83681273"/>
+        <c:axId val="18835332"/>
+        <c:axId val="54537388"/>
       </c:barChart>
       <c:catAx>
-        <c:axId val="51815141"/>
+        <c:axId val="18835332"/>
         <c:scaling>
           <c:orientation val="minMax"/>
         </c:scaling>
@@ -284,14 +284,14 @@
             <a:round/>
           </a:ln>
         </c:spPr>
-        <c:crossAx val="83681273"/>
+        <c:crossAx val="54537388"/>
         <c:crosses val="autoZero"/>
         <c:auto val="1"/>
         <c:lblAlgn val="ctr"/>
         <c:lblOffset val="100"/>
       </c:catAx>
       <c:valAx>
-        <c:axId val="83681273"/>
+        <c:axId val="54537388"/>
         <c:scaling>
           <c:orientation val="minMax"/>
           <c:max val="1"/>
@@ -319,7 +319,7 @@
             <a:round/>
           </a:ln>
         </c:spPr>
-        <c:crossAx val="51815141"/>
+        <c:crossAx val="18835332"/>
         <c:crosses val="autoZero"/>
       </c:valAx>
       <c:dTable>
@@ -1539,7 +1539,7 @@
         <p:spPr>
           <a:xfrm>
             <a:off x="777240" y="0"/>
-            <a:ext cx="7542360" cy="379440"/>
+            <a:ext cx="7542000" cy="379080"/>
           </a:xfrm>
           <a:prstGeom prst="rect">
             <a:avLst/>
@@ -1572,7 +1572,7 @@
         <p:spPr>
           <a:xfrm>
             <a:off x="777240" y="6172200"/>
-            <a:ext cx="7542360" cy="25920"/>
+            <a:ext cx="7542000" cy="25560"/>
           </a:xfrm>
           <a:prstGeom prst="rect">
             <a:avLst/>
@@ -1623,7 +1623,7 @@
               <a:rPr lang="es-MX" sz="4400">
                 <a:latin typeface="Arial"/>
               </a:rPr>
-              <a:t>Pulse para editar el formato del texto de título</a:t>
+              <a:t>Click to edit the title text format</a:t>
             </a:r>
             <a:endParaRPr/>
           </a:p>
@@ -1660,7 +1660,7 @@
               <a:rPr lang="es-MX" sz="3200">
                 <a:latin typeface="Arial"/>
               </a:rPr>
-              <a:t>Pulse para editar el formato de esquema del texto</a:t>
+              <a:t>Click to edit the outline text format</a:t>
             </a:r>
             <a:endParaRPr/>
           </a:p>
@@ -1674,7 +1674,7 @@
               <a:rPr lang="es-MX" sz="2800">
                 <a:latin typeface="Arial"/>
               </a:rPr>
-              <a:t>Segundo nivel del esquema</a:t>
+              <a:t>Second Outline Level</a:t>
             </a:r>
             <a:endParaRPr/>
           </a:p>
@@ -1688,7 +1688,7 @@
               <a:rPr lang="es-MX" sz="2400">
                 <a:latin typeface="Arial"/>
               </a:rPr>
-              <a:t>Tercer nivel del esquema</a:t>
+              <a:t>Third Outline Level</a:t>
             </a:r>
             <a:endParaRPr/>
           </a:p>
@@ -1702,7 +1702,7 @@
               <a:rPr lang="es-MX" sz="2000">
                 <a:latin typeface="Arial"/>
               </a:rPr>
-              <a:t>Cuarto nivel del esquema</a:t>
+              <a:t>Fourth Outline Level</a:t>
             </a:r>
             <a:endParaRPr/>
           </a:p>
@@ -1716,7 +1716,7 @@
               <a:rPr lang="es-MX" sz="2000">
                 <a:latin typeface="Arial"/>
               </a:rPr>
-              <a:t>Quinto nivel del esquema</a:t>
+              <a:t>Fifth Outline Level</a:t>
             </a:r>
             <a:endParaRPr/>
           </a:p>
@@ -1730,7 +1730,7 @@
               <a:rPr lang="es-MX" sz="2000">
                 <a:latin typeface="Arial"/>
               </a:rPr>
-              <a:t>Sexto nivel del esquema</a:t>
+              <a:t>Sixth Outline Level</a:t>
             </a:r>
             <a:endParaRPr/>
           </a:p>
@@ -1744,7 +1744,7 @@
               <a:rPr lang="es-MX" sz="2000">
                 <a:latin typeface="Arial"/>
               </a:rPr>
-              <a:t>Séptimo nivel del esquema</a:t>
+              <a:t>Seventh Outline Level</a:t>
             </a:r>
             <a:endParaRPr/>
           </a:p>
@@ -1796,7 +1796,7 @@
         <p:spPr>
           <a:xfrm>
             <a:off x="1012680" y="2282760"/>
-            <a:ext cx="7769520" cy="1467000"/>
+            <a:ext cx="7769160" cy="1466640"/>
           </a:xfrm>
           <a:prstGeom prst="rect">
             <a:avLst/>
@@ -1822,7 +1822,7 @@
         <p:spPr>
           <a:xfrm>
             <a:off x="457200" y="501840"/>
-            <a:ext cx="8031240" cy="1142640"/>
+            <a:ext cx="8030880" cy="1142280"/>
           </a:xfrm>
           <a:prstGeom prst="rect">
             <a:avLst/>
@@ -1869,7 +1869,7 @@
         <p:spPr>
           <a:xfrm>
             <a:off x="457200" y="1604520"/>
-            <a:ext cx="3924000" cy="3975120"/>
+            <a:ext cx="3923640" cy="3974760"/>
           </a:xfrm>
           <a:prstGeom prst="rect">
             <a:avLst/>
@@ -1984,7 +1984,7 @@
         <p:spPr>
           <a:xfrm>
             <a:off x="6948360" y="1196640"/>
-            <a:ext cx="1913040" cy="1893960"/>
+            <a:ext cx="1912680" cy="1893600"/>
           </a:xfrm>
           <a:prstGeom prst="rect">
             <a:avLst/>
@@ -2062,7 +2062,7 @@
         <p:spPr>
           <a:xfrm>
             <a:off x="457200" y="274680"/>
-            <a:ext cx="8226720" cy="1140120"/>
+            <a:ext cx="8226360" cy="1139760"/>
           </a:xfrm>
           <a:prstGeom prst="rect">
             <a:avLst/>
@@ -2109,7 +2109,7 @@
         <p:spPr>
           <a:xfrm>
             <a:off x="457200" y="1600200"/>
-            <a:ext cx="8226720" cy="4523040"/>
+            <a:ext cx="8226360" cy="4522680"/>
           </a:xfrm>
           <a:prstGeom prst="rect">
             <a:avLst/>
@@ -2135,7 +2135,7 @@
         <p:spPr>
           <a:xfrm>
             <a:off x="163080" y="1113480"/>
-            <a:ext cx="8764560" cy="2558160"/>
+            <a:ext cx="8764200" cy="2557800"/>
           </a:xfrm>
           <a:prstGeom prst="rect">
             <a:avLst/>
@@ -2194,7 +2194,7 @@
         <p:spPr>
           <a:xfrm>
             <a:off x="-59400" y="3377160"/>
-            <a:ext cx="9059040" cy="2742480"/>
+            <a:ext cx="9058680" cy="2742120"/>
           </a:xfrm>
           <a:prstGeom prst="rect">
             <a:avLst/>
@@ -2272,7 +2272,7 @@
         <p:spPr>
           <a:xfrm>
             <a:off x="457200" y="274680"/>
-            <a:ext cx="8226720" cy="1140120"/>
+            <a:ext cx="8226360" cy="1139760"/>
           </a:xfrm>
           <a:prstGeom prst="rect">
             <a:avLst/>
@@ -2319,7 +2319,7 @@
         <p:spPr>
           <a:xfrm>
             <a:off x="457200" y="1600200"/>
-            <a:ext cx="8226720" cy="4523040"/>
+            <a:ext cx="8226360" cy="4522680"/>
           </a:xfrm>
           <a:prstGeom prst="rect">
             <a:avLst/>
@@ -2345,7 +2345,7 @@
         <p:spPr>
           <a:xfrm>
             <a:off x="6890760" y="1124640"/>
-            <a:ext cx="1852560" cy="3381120"/>
+            <a:ext cx="1852200" cy="3380760"/>
           </a:xfrm>
           <a:prstGeom prst="rect">
             <a:avLst/>
@@ -2399,7 +2399,7 @@
         </p:nvGraphicFramePr>
         <p:xfrm>
           <a:off x="259560" y="1329480"/>
-          <a:ext cx="6436080" cy="3190320"/>
+          <a:ext cx="6436080" cy="3189960"/>
         </p:xfrm>
         <a:graphic>
           <a:graphicData uri="http://schemas.openxmlformats.org/drawingml/2006/table">
@@ -2760,7 +2760,7 @@
         </p:nvGraphicFramePr>
         <p:xfrm>
           <a:off x="272160" y="4576320"/>
-          <a:ext cx="5559480" cy="1652760"/>
+          <a:ext cx="5559480" cy="1652400"/>
         </p:xfrm>
         <a:graphic>
           <a:graphicData uri="http://schemas.openxmlformats.org/drawingml/2006/table">
@@ -3023,7 +3023,7 @@
         <p:spPr>
           <a:xfrm>
             <a:off x="457200" y="274680"/>
-            <a:ext cx="8226720" cy="1140120"/>
+            <a:ext cx="8226360" cy="1139760"/>
           </a:xfrm>
           <a:prstGeom prst="rect">
             <a:avLst/>
@@ -3070,7 +3070,7 @@
         <p:spPr>
           <a:xfrm>
             <a:off x="457200" y="1600200"/>
-            <a:ext cx="8226720" cy="4523040"/>
+            <a:ext cx="8226360" cy="4522680"/>
           </a:xfrm>
           <a:prstGeom prst="rect">
             <a:avLst/>
@@ -3096,7 +3096,7 @@
         <p:spPr>
           <a:xfrm>
             <a:off x="5751360" y="1412640"/>
-            <a:ext cx="2932560" cy="2283840"/>
+            <a:ext cx="2932200" cy="2283480"/>
           </a:xfrm>
           <a:prstGeom prst="rect">
             <a:avLst/>
@@ -3210,7 +3210,7 @@
         <p:spPr>
           <a:xfrm>
             <a:off x="457200" y="274680"/>
-            <a:ext cx="8226720" cy="1140120"/>
+            <a:ext cx="8226360" cy="1139760"/>
           </a:xfrm>
           <a:prstGeom prst="rect">
             <a:avLst/>
@@ -3257,7 +3257,7 @@
         <p:spPr>
           <a:xfrm>
             <a:off x="457200" y="1600200"/>
-            <a:ext cx="8226720" cy="4523040"/>
+            <a:ext cx="8226360" cy="4522680"/>
           </a:xfrm>
           <a:prstGeom prst="rect">
             <a:avLst/>
@@ -3282,7 +3282,7 @@
         </p:nvGraphicFramePr>
         <p:xfrm>
           <a:off x="1523880" y="1397160"/>
-          <a:ext cx="6094080" cy="1812600"/>
+          <a:ext cx="6093720" cy="1812960"/>
         </p:xfrm>
         <a:graphic>
           <a:graphicData uri="http://schemas.openxmlformats.org/drawingml/2006/table">
@@ -3577,7 +3577,7 @@
         <p:spPr>
           <a:xfrm>
             <a:off x="457200" y="274680"/>
-            <a:ext cx="8226720" cy="1140120"/>
+            <a:ext cx="8226360" cy="1139760"/>
           </a:xfrm>
           <a:prstGeom prst="rect">
             <a:avLst/>
@@ -3624,7 +3624,7 @@
         <p:spPr>
           <a:xfrm>
             <a:off x="457200" y="1600200"/>
-            <a:ext cx="8226720" cy="4523040"/>
+            <a:ext cx="8226360" cy="4522680"/>
           </a:xfrm>
           <a:prstGeom prst="rect">
             <a:avLst/>
@@ -3668,7 +3668,7 @@
         </p:nvGraphicFramePr>
         <p:xfrm>
           <a:off x="36360" y="1579680"/>
-          <a:ext cx="9078120" cy="5264280"/>
+          <a:ext cx="9078120" cy="5263920"/>
         </p:xfrm>
         <a:graphic>
           <a:graphicData uri="http://schemas.openxmlformats.org/drawingml/2006/table">
@@ -4243,7 +4243,7 @@
         <p:spPr>
           <a:xfrm>
             <a:off x="144000" y="1080000"/>
-            <a:ext cx="1511640" cy="345960"/>
+            <a:ext cx="1511280" cy="345600"/>
           </a:xfrm>
           <a:prstGeom prst="rect">
             <a:avLst/>
@@ -4264,7 +4264,11 @@
           <a:p>
             <a:r>
               <a:rPr lang="es-MX" strike="noStrike">
+                <a:solidFill>
+                  <a:srgbClr val="000000"/>
+                </a:solidFill>
                 <a:latin typeface="Arial"/>
+                <a:ea typeface="DejaVu Sans"/>
               </a:rPr>
               <a:t>P1319</a:t>
             </a:r>
@@ -4340,7 +4344,7 @@
         <p:spPr>
           <a:xfrm>
             <a:off x="576000" y="1080000"/>
-            <a:ext cx="7991640" cy="601920"/>
+            <a:ext cx="7991280" cy="601560"/>
           </a:xfrm>
           <a:prstGeom prst="rect">
             <a:avLst/>
@@ -4361,7 +4365,11 @@
           <a:p>
             <a:r>
               <a:rPr lang="es-MX" strike="noStrike">
+                <a:solidFill>
+                  <a:srgbClr val="000000"/>
+                </a:solidFill>
                 <a:latin typeface="Arial"/>
+                <a:ea typeface="DejaVu Sans"/>
               </a:rPr>
               <a:t>Para la realización del proyecto p1319 no se requirió capacitación en alguna de las áreas</a:t>
             </a:r>
@@ -4427,7 +4435,7 @@
         <p:spPr>
           <a:xfrm>
             <a:off x="457200" y="274680"/>
-            <a:ext cx="8226720" cy="1140120"/>
+            <a:ext cx="8226360" cy="1139760"/>
           </a:xfrm>
           <a:prstGeom prst="rect">
             <a:avLst/>
@@ -4474,7 +4482,7 @@
         <p:spPr>
           <a:xfrm>
             <a:off x="457200" y="1600200"/>
-            <a:ext cx="8226720" cy="4523040"/>
+            <a:ext cx="8226360" cy="4522680"/>
           </a:xfrm>
           <a:prstGeom prst="rect">
             <a:avLst/>
@@ -4500,7 +4508,7 @@
         <p:spPr>
           <a:xfrm>
             <a:off x="792000" y="3990240"/>
-            <a:ext cx="7990920" cy="2283840"/>
+            <a:ext cx="7990560" cy="2283480"/>
           </a:xfrm>
           <a:prstGeom prst="rect">
             <a:avLst/>
@@ -4554,7 +4562,7 @@
         </p:nvGraphicFramePr>
         <p:xfrm>
           <a:off x="273960" y="1285200"/>
-          <a:ext cx="6078600" cy="2524320"/>
+          <a:ext cx="6078600" cy="2689920"/>
         </p:xfrm>
         <a:graphic>
           <a:graphicData uri="http://schemas.openxmlformats.org/drawingml/2006/table">
@@ -5257,7 +5265,7 @@
         <p:spPr>
           <a:xfrm>
             <a:off x="457200" y="274680"/>
-            <a:ext cx="8226720" cy="1140120"/>
+            <a:ext cx="8226360" cy="1139760"/>
           </a:xfrm>
           <a:prstGeom prst="rect">
             <a:avLst/>
@@ -5304,7 +5312,7 @@
         <p:spPr>
           <a:xfrm>
             <a:off x="457200" y="1600200"/>
-            <a:ext cx="8226720" cy="4523040"/>
+            <a:ext cx="8226360" cy="4522680"/>
           </a:xfrm>
           <a:prstGeom prst="rect">
             <a:avLst/>
@@ -5330,7 +5338,7 @@
         <p:spPr>
           <a:xfrm>
             <a:off x="5868000" y="1340640"/>
-            <a:ext cx="3076560" cy="1735200"/>
+            <a:ext cx="3076200" cy="1734840"/>
           </a:xfrm>
           <a:prstGeom prst="rect">
             <a:avLst/>
@@ -5376,7 +5384,7 @@
         </p:nvGraphicFramePr>
         <p:xfrm>
           <a:off x="139320" y="1185120"/>
-          <a:ext cx="5727960" cy="2524320"/>
+          <a:ext cx="5727960" cy="2689920"/>
         </p:xfrm>
         <a:graphic>
           <a:graphicData uri="http://schemas.openxmlformats.org/drawingml/2006/table">
@@ -5989,7 +5997,7 @@
         <p:spPr>
           <a:xfrm>
             <a:off x="457200" y="274680"/>
-            <a:ext cx="8226720" cy="1140120"/>
+            <a:ext cx="8226360" cy="1139760"/>
           </a:xfrm>
           <a:prstGeom prst="rect">
             <a:avLst/>
@@ -6036,7 +6044,7 @@
         <p:spPr>
           <a:xfrm>
             <a:off x="457200" y="1600200"/>
-            <a:ext cx="8226720" cy="4523040"/>
+            <a:ext cx="8226360" cy="4522680"/>
           </a:xfrm>
           <a:prstGeom prst="rect">
             <a:avLst/>
@@ -6062,7 +6070,7 @@
         <p:spPr>
           <a:xfrm>
             <a:off x="6365160" y="1124640"/>
-            <a:ext cx="2285280" cy="3106800"/>
+            <a:ext cx="2284920" cy="3106440"/>
           </a:xfrm>
           <a:prstGeom prst="rect">
             <a:avLst/>
@@ -6116,7 +6124,7 @@
         </p:nvGraphicFramePr>
         <p:xfrm>
           <a:off x="576000" y="1944000"/>
-          <a:ext cx="5790600" cy="2855880"/>
+          <a:ext cx="5790240" cy="2855520"/>
         </p:xfrm>
         <a:graphic>
           <a:graphicData uri="http://schemas.openxmlformats.org/drawingml/2006/chart">
@@ -6192,7 +6200,7 @@
         <p:spPr>
           <a:xfrm>
             <a:off x="457200" y="274680"/>
-            <a:ext cx="8226720" cy="1140120"/>
+            <a:ext cx="8226360" cy="1139760"/>
           </a:xfrm>
           <a:prstGeom prst="rect">
             <a:avLst/>
@@ -6239,7 +6247,7 @@
         <p:spPr>
           <a:xfrm>
             <a:off x="457200" y="1600200"/>
-            <a:ext cx="8226720" cy="4523040"/>
+            <a:ext cx="8226360" cy="4522680"/>
           </a:xfrm>
           <a:prstGeom prst="rect">
             <a:avLst/>
@@ -6265,7 +6273,7 @@
         <p:spPr>
           <a:xfrm>
             <a:off x="6183360" y="1416240"/>
-            <a:ext cx="2500560" cy="2832480"/>
+            <a:ext cx="2500200" cy="2832120"/>
           </a:xfrm>
           <a:prstGeom prst="rect">
             <a:avLst/>
@@ -6335,7 +6343,7 @@
         </p:nvGraphicFramePr>
         <p:xfrm>
           <a:off x="72000" y="1463760"/>
-          <a:ext cx="5859000" cy="2855880"/>
+          <a:ext cx="5858640" cy="2855520"/>
         </p:xfrm>
         <a:graphic>
           <a:graphicData uri="http://schemas.openxmlformats.org/drawingml/2006/chart">
@@ -6411,7 +6419,7 @@
         <p:spPr>
           <a:xfrm>
             <a:off x="457200" y="274680"/>
-            <a:ext cx="8226720" cy="1140120"/>
+            <a:ext cx="8226360" cy="1139760"/>
           </a:xfrm>
           <a:prstGeom prst="rect">
             <a:avLst/>
@@ -6458,7 +6466,7 @@
         <p:spPr>
           <a:xfrm>
             <a:off x="457200" y="1600200"/>
-            <a:ext cx="8226720" cy="4523040"/>
+            <a:ext cx="8226360" cy="4522680"/>
           </a:xfrm>
           <a:prstGeom prst="rect">
             <a:avLst/>
@@ -6484,7 +6492,7 @@
         <p:spPr>
           <a:xfrm>
             <a:off x="6375960" y="1416240"/>
-            <a:ext cx="2285280" cy="3106800"/>
+            <a:ext cx="2284920" cy="3106440"/>
           </a:xfrm>
           <a:prstGeom prst="rect">
             <a:avLst/>
@@ -6543,7 +6551,7 @@
         <p:spPr>
           <a:xfrm>
             <a:off x="92880" y="1296000"/>
-            <a:ext cx="6386760" cy="2824200"/>
+            <a:ext cx="6386400" cy="2823840"/>
           </a:xfrm>
           <a:prstGeom prst="rect">
             <a:avLst/>
